--- a/Modules/11-Chef_Intermediate.pptx
+++ b/Modules/11-Chef_Intermediate.pptx
@@ -273,7 +273,7 @@
           <a:p>
             <a:fld id="{1D8BD707-D9CF-40AE-B4C6-C98DA3205C09}" type="datetimeFigureOut">
               <a:rPr lang="en-US"/>
-              <a:t>6/5/2015</a:t>
+              <a:t>6/29/2015</a:t>
             </a:fld>
             <a:endParaRPr lang="en-US"/>
           </a:p>
@@ -456,7 +456,7 @@
           <a:p>
             <a:fld id="{1D8BD707-D9CF-40AE-B4C6-C98DA3205C09}" type="datetimeFigureOut">
               <a:rPr lang="en-US"/>
-              <a:t>6/5/2015</a:t>
+              <a:t>6/29/2015</a:t>
             </a:fld>
             <a:endParaRPr lang="en-US"/>
           </a:p>
@@ -3701,7 +3701,7 @@
           <a:p>
             <a:fld id="{1D8BD707-D9CF-40AE-B4C6-C98DA3205C09}" type="datetimeFigureOut">
               <a:rPr lang="en-US"/>
-              <a:t>6/5/2015</a:t>
+              <a:t>6/29/2015</a:t>
             </a:fld>
             <a:endParaRPr lang="en-US"/>
           </a:p>
@@ -3855,7 +3855,7 @@
           <a:p>
             <a:fld id="{1D8BD707-D9CF-40AE-B4C6-C98DA3205C09}" type="datetimeFigureOut">
               <a:rPr lang="en-US"/>
-              <a:t>6/5/2015</a:t>
+              <a:t>6/29/2015</a:t>
             </a:fld>
             <a:endParaRPr lang="en-US"/>
           </a:p>
@@ -7028,7 +7028,7 @@
           <a:p>
             <a:fld id="{1D8BD707-D9CF-40AE-B4C6-C98DA3205C09}" type="datetimeFigureOut">
               <a:rPr lang="en-US"/>
-              <a:t>6/5/2015</a:t>
+              <a:t>6/29/2015</a:t>
             </a:fld>
             <a:endParaRPr lang="en-US"/>
           </a:p>
@@ -7309,7 +7309,7 @@
           <a:p>
             <a:fld id="{1D8BD707-D9CF-40AE-B4C6-C98DA3205C09}" type="datetimeFigureOut">
               <a:rPr lang="en-US"/>
-              <a:t>6/5/2015</a:t>
+              <a:t>6/29/2015</a:t>
             </a:fld>
             <a:endParaRPr lang="en-US"/>
           </a:p>

--- a/Modules/11-Chef_Intermediate.pptx
+++ b/Modules/11-Chef_Intermediate.pptx
@@ -12,7 +12,7 @@
     <p:sldId id="573" r:id="rId3"/>
     <p:sldId id="592" r:id="rId4"/>
     <p:sldId id="574" r:id="rId5"/>
-    <p:sldId id="593" r:id="rId6"/>
+    <p:sldId id="596" r:id="rId6"/>
     <p:sldId id="575" r:id="rId7"/>
     <p:sldId id="576" r:id="rId8"/>
     <p:sldId id="577" r:id="rId9"/>
@@ -130,7 +130,7 @@
   </p:defaultTextStyle>
   <p:extLst>
     <p:ext uri="{EFAFB233-063F-42B5-8137-9DF3F51BA10A}">
-      <p15:sldGuideLst xmlns:p15="http://schemas.microsoft.com/office/powerpoint/2012/main">
+      <p15:sldGuideLst xmlns:p15="http://schemas.microsoft.com/office/powerpoint/2012/main" xmlns="">
         <p15:guide id="1" orient="horz" pos="2880">
           <p15:clr>
             <a:srgbClr val="A4A3A4"/>
@@ -229,7 +229,7 @@
           <a:p>
             <a:fld id="{6C8008D8-2F79-E542-BF75-A622FCA35A75}" type="datetimeFigureOut">
               <a:rPr lang="en-US" smtClean="0"/>
-              <a:t>6/29/2015</a:t>
+              <a:t>6/29/15</a:t>
             </a:fld>
             <a:endParaRPr lang="en-US" dirty="0"/>
           </a:p>
@@ -600,7 +600,7 @@
       </p:grpSpPr>
       <p:sp>
         <p:nvSpPr>
-          <p:cNvPr id="6553" name="Shape 6553"/>
+          <p:cNvPr id="6560" name="Shape 6560"/>
           <p:cNvSpPr>
             <a:spLocks noGrp="1" noRot="1" noChangeAspect="1"/>
           </p:cNvSpPr>
@@ -624,7 +624,7 @@
       </p:sp>
       <p:sp>
         <p:nvSpPr>
-          <p:cNvPr id="6554" name="Shape 6554"/>
+          <p:cNvPr id="6561" name="Shape 6561"/>
           <p:cNvSpPr>
             <a:spLocks noGrp="1"/>
           </p:cNvSpPr>
@@ -646,22 +646,7 @@
             </a:pPr>
             <a:r>
               <a:rPr sz="2200" dirty="0"/>
-              <a:t>Remove the configuration entry that suppresses TrailingWhitespace</a:t>
-            </a:r>
-          </a:p>
-          <a:p>
-            <a:pPr lvl="0">
-              <a:defRPr sz="1800"/>
-            </a:pPr>
-            <a:endParaRPr sz="2200" dirty="0"/>
-          </a:p>
-          <a:p>
-            <a:pPr lvl="0">
-              <a:defRPr sz="1800"/>
-            </a:pPr>
-            <a:r>
-              <a:rPr sz="2200" dirty="0"/>
-              <a:t>We especially want to fix this because extraneous whitespace can often make merge operations messy - even when we choose to set “ignore whitespace” on the diff tool</a:t>
+              <a:t>Let’s fix this one</a:t>
             </a:r>
           </a:p>
         </p:txBody>
@@ -669,7 +654,7 @@
     </p:spTree>
     <p:extLst>
       <p:ext uri="{BB962C8B-B14F-4D97-AF65-F5344CB8AC3E}">
-        <p14:creationId xmlns:p14="http://schemas.microsoft.com/office/powerpoint/2010/main" val="2378108696"/>
+        <p14:creationId xmlns:p14="http://schemas.microsoft.com/office/powerpoint/2010/main" val="718174329"/>
       </p:ext>
     </p:extLst>
   </p:cSld>
@@ -698,89 +683,6 @@
       </p:grpSpPr>
       <p:sp>
         <p:nvSpPr>
-          <p:cNvPr id="6560" name="Shape 6560"/>
-          <p:cNvSpPr>
-            <a:spLocks noGrp="1" noRot="1" noChangeAspect="1"/>
-          </p:cNvSpPr>
-          <p:nvPr>
-            <p:ph type="sldImg"/>
-          </p:nvPr>
-        </p:nvSpPr>
-        <p:spPr>
-          <a:prstGeom prst="rect">
-            <a:avLst/>
-          </a:prstGeom>
-        </p:spPr>
-        <p:txBody>
-          <a:bodyPr/>
-          <a:lstStyle/>
-          <a:p>
-            <a:pPr lvl="0"/>
-            <a:endParaRPr dirty="0"/>
-          </a:p>
-        </p:txBody>
-      </p:sp>
-      <p:sp>
-        <p:nvSpPr>
-          <p:cNvPr id="6561" name="Shape 6561"/>
-          <p:cNvSpPr>
-            <a:spLocks noGrp="1"/>
-          </p:cNvSpPr>
-          <p:nvPr>
-            <p:ph type="body" sz="quarter" idx="1"/>
-          </p:nvPr>
-        </p:nvSpPr>
-        <p:spPr>
-          <a:prstGeom prst="rect">
-            <a:avLst/>
-          </a:prstGeom>
-        </p:spPr>
-        <p:txBody>
-          <a:bodyPr/>
-          <a:lstStyle/>
-          <a:p>
-            <a:pPr lvl="0">
-              <a:defRPr sz="1800"/>
-            </a:pPr>
-            <a:r>
-              <a:rPr sz="2200" dirty="0"/>
-              <a:t>Let’s fix this one</a:t>
-            </a:r>
-          </a:p>
-        </p:txBody>
-      </p:sp>
-    </p:spTree>
-    <p:extLst>
-      <p:ext uri="{BB962C8B-B14F-4D97-AF65-F5344CB8AC3E}">
-        <p14:creationId xmlns:p14="http://schemas.microsoft.com/office/powerpoint/2010/main" val="718174329"/>
-      </p:ext>
-    </p:extLst>
-  </p:cSld>
-  <p:clrMapOvr>
-    <a:masterClrMapping/>
-  </p:clrMapOvr>
-</p:notes>
-</file>
-
-<file path=ppt/notesSlides/notesSlide12.xml><?xml version="1.0" encoding="utf-8"?>
-<p:notes xmlns:a="http://schemas.openxmlformats.org/drawingml/2006/main" xmlns:r="http://schemas.openxmlformats.org/officeDocument/2006/relationships" xmlns:p="http://schemas.openxmlformats.org/presentationml/2006/main">
-  <p:cSld>
-    <p:spTree>
-      <p:nvGrpSpPr>
-        <p:cNvPr id="1" name=""/>
-        <p:cNvGrpSpPr/>
-        <p:nvPr/>
-      </p:nvGrpSpPr>
-      <p:grpSpPr>
-        <a:xfrm>
-          <a:off x="0" y="0"/>
-          <a:ext cx="0" cy="0"/>
-          <a:chOff x="0" y="0"/>
-          <a:chExt cx="0" cy="0"/>
-        </a:xfrm>
-      </p:grpSpPr>
-      <p:sp>
-        <p:nvSpPr>
           <p:cNvPr id="6573" name="Shape 6573"/>
           <p:cNvSpPr>
             <a:spLocks noGrp="1" noRot="1" noChangeAspect="1"/>
@@ -857,7 +759,7 @@
 </p:notes>
 </file>
 
-<file path=ppt/notesSlides/notesSlide13.xml><?xml version="1.0" encoding="utf-8"?>
+<file path=ppt/notesSlides/notesSlide12.xml><?xml version="1.0" encoding="utf-8"?>
 <p:notes xmlns:a="http://schemas.openxmlformats.org/drawingml/2006/main" xmlns:r="http://schemas.openxmlformats.org/officeDocument/2006/relationships" xmlns:p="http://schemas.openxmlformats.org/presentationml/2006/main">
   <p:cSld>
     <p:spTree>
@@ -1110,7 +1012,7 @@
       </p:grpSpPr>
       <p:sp>
         <p:nvSpPr>
-          <p:cNvPr id="2" name="Slide Image Placeholder 1"/>
+          <p:cNvPr id="6486" name="Shape 6486"/>
           <p:cNvSpPr>
             <a:spLocks noGrp="1" noRot="1" noChangeAspect="1"/>
           </p:cNvSpPr>
@@ -1118,54 +1020,68 @@
             <p:ph type="sldImg"/>
           </p:nvPr>
         </p:nvSpPr>
-        <p:spPr/>
-      </p:sp>
-      <p:sp>
-        <p:nvSpPr>
-          <p:cNvPr id="3" name="Notes Placeholder 2"/>
+        <p:spPr>
+          <a:prstGeom prst="rect">
+            <a:avLst/>
+          </a:prstGeom>
+        </p:spPr>
+        <p:txBody>
+          <a:bodyPr/>
+          <a:lstStyle/>
+          <a:p>
+            <a:pPr lvl="0"/>
+            <a:endParaRPr dirty="0"/>
+          </a:p>
+        </p:txBody>
+      </p:sp>
+      <p:sp>
+        <p:nvSpPr>
+          <p:cNvPr id="6487" name="Shape 6487"/>
           <p:cNvSpPr>
             <a:spLocks noGrp="1"/>
           </p:cNvSpPr>
           <p:nvPr>
-            <p:ph type="body" idx="1"/>
+            <p:ph type="body" sz="quarter" idx="1"/>
           </p:nvPr>
         </p:nvSpPr>
-        <p:spPr/>
+        <p:spPr>
+          <a:prstGeom prst="rect">
+            <a:avLst/>
+          </a:prstGeom>
+        </p:spPr>
         <p:txBody>
           <a:bodyPr/>
           <a:lstStyle/>
           <a:p>
-            <a:endParaRPr lang="en-US" dirty="0"/>
-          </a:p>
-        </p:txBody>
-      </p:sp>
-      <p:sp>
-        <p:nvSpPr>
-          <p:cNvPr id="4" name="Slide Number Placeholder 3"/>
-          <p:cNvSpPr>
-            <a:spLocks noGrp="1"/>
-          </p:cNvSpPr>
-          <p:nvPr>
-            <p:ph type="sldNum" sz="quarter" idx="10"/>
-          </p:nvPr>
-        </p:nvSpPr>
-        <p:spPr/>
-        <p:txBody>
-          <a:bodyPr/>
-          <a:lstStyle/>
-          <a:p>
-            <a:fld id="{5719F854-073E-FC46-8FA9-7B83B958D81B}" type="slidenum">
-              <a:rPr lang="en-US" smtClean="0"/>
-              <a:t>5</a:t>
-            </a:fld>
-            <a:endParaRPr lang="en-US" dirty="0"/>
+            <a:pPr lvl="0">
+              <a:defRPr sz="1800"/>
+            </a:pPr>
+            <a:r>
+              <a:rPr sz="2200" dirty="0"/>
+              <a:t>The auto-generated configuration file shows what entries you can add to .rubocop.yml to mask the things that are more “Ruby” specific than “Chef” specific.</a:t>
+            </a:r>
+          </a:p>
+          <a:p>
+            <a:pPr lvl="0">
+              <a:defRPr sz="1800"/>
+            </a:pPr>
+            <a:endParaRPr sz="2200" dirty="0"/>
+          </a:p>
+          <a:p>
+            <a:pPr lvl="0">
+              <a:defRPr sz="1800"/>
+            </a:pPr>
+            <a:r>
+              <a:rPr sz="2200" dirty="0"/>
+              <a:t>We’ll talk about a few that we want to exclude in the next few slides</a:t>
+            </a:r>
           </a:p>
         </p:txBody>
       </p:sp>
     </p:spTree>
     <p:extLst>
       <p:ext uri="{BB962C8B-B14F-4D97-AF65-F5344CB8AC3E}">
-        <p14:creationId xmlns:p14="http://schemas.microsoft.com/office/powerpoint/2010/main" val="3631686058"/>
+        <p14:creationId xmlns:p14="http://schemas.microsoft.com/office/powerpoint/2010/main" val="2949894897"/>
       </p:ext>
     </p:extLst>
   </p:cSld>
@@ -1194,7 +1110,7 @@
       </p:grpSpPr>
       <p:sp>
         <p:nvSpPr>
-          <p:cNvPr id="6486" name="Shape 6486"/>
+          <p:cNvPr id="6501" name="Shape 6501"/>
           <p:cNvSpPr>
             <a:spLocks noGrp="1" noRot="1" noChangeAspect="1"/>
           </p:cNvSpPr>
@@ -1218,7 +1134,7 @@
       </p:sp>
       <p:sp>
         <p:nvSpPr>
-          <p:cNvPr id="6487" name="Shape 6487"/>
+          <p:cNvPr id="6502" name="Shape 6502"/>
           <p:cNvSpPr>
             <a:spLocks noGrp="1"/>
           </p:cNvSpPr>
@@ -1240,22 +1156,19 @@
             </a:pPr>
             <a:r>
               <a:rPr sz="2200" dirty="0"/>
-              <a:t>The auto-generated configuration file shows what entries you can add to .rubocop.yml to mask the things that are more “Ruby” specific than “Chef” specific.</a:t>
-            </a:r>
-          </a:p>
-          <a:p>
-            <a:pPr lvl="0">
-              <a:defRPr sz="1800"/>
-            </a:pPr>
-            <a:endParaRPr sz="2200" dirty="0"/>
-          </a:p>
-          <a:p>
-            <a:pPr lvl="0">
-              <a:defRPr sz="1800"/>
-            </a:pPr>
+              <a:t>This is a new file.  </a:t>
+            </a:r>
+            <a:r>
+              <a:rPr lang="en-US" sz="2200" dirty="0" smtClean="0"/>
+              <a:t>inherit from</a:t>
+            </a:r>
+            <a:r>
+              <a:rPr sz="2200" dirty="0" smtClean="0"/>
+              <a:t>: </a:t>
+            </a:r>
             <a:r>
               <a:rPr sz="2200" dirty="0"/>
-              <a:t>We’ll talk about a few that we want to exclude in the next few slides</a:t>
+              <a:t>is like #include</a:t>
             </a:r>
           </a:p>
         </p:txBody>
@@ -1263,7 +1176,7 @@
     </p:spTree>
     <p:extLst>
       <p:ext uri="{BB962C8B-B14F-4D97-AF65-F5344CB8AC3E}">
-        <p14:creationId xmlns:p14="http://schemas.microsoft.com/office/powerpoint/2010/main" val="2949894897"/>
+        <p14:creationId xmlns:p14="http://schemas.microsoft.com/office/powerpoint/2010/main" val="2615225086"/>
       </p:ext>
     </p:extLst>
   </p:cSld>
@@ -1292,7 +1205,7 @@
       </p:grpSpPr>
       <p:sp>
         <p:nvSpPr>
-          <p:cNvPr id="6501" name="Shape 6501"/>
+          <p:cNvPr id="6508" name="Shape 6508"/>
           <p:cNvSpPr>
             <a:spLocks noGrp="1" noRot="1" noChangeAspect="1"/>
           </p:cNvSpPr>
@@ -1316,7 +1229,7 @@
       </p:sp>
       <p:sp>
         <p:nvSpPr>
-          <p:cNvPr id="6502" name="Shape 6502"/>
+          <p:cNvPr id="6509" name="Shape 6509"/>
           <p:cNvSpPr>
             <a:spLocks noGrp="1"/>
           </p:cNvSpPr>
@@ -1338,19 +1251,7 @@
             </a:pPr>
             <a:r>
               <a:rPr sz="2200" dirty="0"/>
-              <a:t>This is a new file.  </a:t>
-            </a:r>
-            <a:r>
-              <a:rPr lang="en-US" sz="2200" dirty="0" smtClean="0"/>
-              <a:t>inherit from</a:t>
-            </a:r>
-            <a:r>
-              <a:rPr sz="2200" dirty="0" smtClean="0"/>
-              <a:t>: </a:t>
-            </a:r>
-            <a:r>
-              <a:rPr sz="2200" dirty="0"/>
-              <a:t>is like #include</a:t>
+              <a:t>Wow, no offenses!  Are we done?</a:t>
             </a:r>
           </a:p>
         </p:txBody>
@@ -1358,7 +1259,7 @@
     </p:spTree>
     <p:extLst>
       <p:ext uri="{BB962C8B-B14F-4D97-AF65-F5344CB8AC3E}">
-        <p14:creationId xmlns:p14="http://schemas.microsoft.com/office/powerpoint/2010/main" val="2615225086"/>
+        <p14:creationId xmlns:p14="http://schemas.microsoft.com/office/powerpoint/2010/main" val="757206844"/>
       </p:ext>
     </p:extLst>
   </p:cSld>
@@ -1387,7 +1288,7 @@
       </p:grpSpPr>
       <p:sp>
         <p:nvSpPr>
-          <p:cNvPr id="6508" name="Shape 6508"/>
+          <p:cNvPr id="6522" name="Shape 6522"/>
           <p:cNvSpPr>
             <a:spLocks noGrp="1" noRot="1" noChangeAspect="1"/>
           </p:cNvSpPr>
@@ -1411,7 +1312,7 @@
       </p:sp>
       <p:sp>
         <p:nvSpPr>
-          <p:cNvPr id="6509" name="Shape 6509"/>
+          <p:cNvPr id="6523" name="Shape 6523"/>
           <p:cNvSpPr>
             <a:spLocks noGrp="1"/>
           </p:cNvSpPr>
@@ -1433,7 +1334,61 @@
             </a:pPr>
             <a:r>
               <a:rPr sz="2200" dirty="0"/>
-              <a:t>Wow, no offenses!  Are we done?</a:t>
+              <a:t>Comment out the </a:t>
+            </a:r>
+            <a:r>
+              <a:rPr lang="en-US" sz="2200" dirty="0" smtClean="0"/>
+              <a:t>inherit from</a:t>
+            </a:r>
+            <a:r>
+              <a:rPr sz="2200" dirty="0" smtClean="0"/>
+              <a:t> </a:t>
+            </a:r>
+            <a:r>
+              <a:rPr sz="2200" dirty="0"/>
+              <a:t>line.</a:t>
+            </a:r>
+          </a:p>
+          <a:p>
+            <a:pPr lvl="0">
+              <a:defRPr sz="1800"/>
+            </a:pPr>
+            <a:endParaRPr sz="2200" dirty="0"/>
+          </a:p>
+          <a:p>
+            <a:pPr lvl="0">
+              <a:defRPr sz="1800"/>
+            </a:pPr>
+            <a:r>
+              <a:rPr sz="2200" dirty="0"/>
+              <a:t>1) Chef doesn’t support encoding comments (yet) https://tickets.opscode.com/browse/CHEF-3304</a:t>
+            </a:r>
+          </a:p>
+          <a:p>
+            <a:pPr lvl="0">
+              <a:defRPr sz="1800"/>
+            </a:pPr>
+            <a:r>
+              <a:rPr sz="2200" dirty="0"/>
+              <a:t>2) Really?!?  Who still writes in 80 columns?</a:t>
+            </a:r>
+          </a:p>
+          <a:p>
+            <a:pPr lvl="0">
+              <a:defRPr sz="1800"/>
+            </a:pPr>
+            <a:r>
+              <a:rPr sz="2200" dirty="0"/>
+              <a:t>3) Many cookbooks still try to be compatible with Ruby 1.8 (Chef 10).  Don’t squawk at them for being nice!</a:t>
+            </a:r>
+          </a:p>
+          <a:p>
+            <a:pPr lvl="0">
+              <a:defRPr sz="1800"/>
+            </a:pPr>
+            <a:r>
+              <a:rPr sz="2200" dirty="0"/>
+              <a:t>4) Personally, I might fix this one, but there’s a lot of them, and we’re pressed for time.  Pick one to let them fix just to illustrate the workflow</a:t>
             </a:r>
           </a:p>
         </p:txBody>
@@ -1441,7 +1396,7 @@
     </p:spTree>
     <p:extLst>
       <p:ext uri="{BB962C8B-B14F-4D97-AF65-F5344CB8AC3E}">
-        <p14:creationId xmlns:p14="http://schemas.microsoft.com/office/powerpoint/2010/main" val="757206844"/>
+        <p14:creationId xmlns:p14="http://schemas.microsoft.com/office/powerpoint/2010/main" val="1843654140"/>
       </p:ext>
     </p:extLst>
   </p:cSld>
@@ -1470,7 +1425,7 @@
       </p:grpSpPr>
       <p:sp>
         <p:nvSpPr>
-          <p:cNvPr id="6522" name="Shape 6522"/>
+          <p:cNvPr id="6529" name="Shape 6529"/>
           <p:cNvSpPr>
             <a:spLocks noGrp="1" noRot="1" noChangeAspect="1"/>
           </p:cNvSpPr>
@@ -1494,7 +1449,7 @@
       </p:sp>
       <p:sp>
         <p:nvSpPr>
-          <p:cNvPr id="6523" name="Shape 6523"/>
+          <p:cNvPr id="6530" name="Shape 6530"/>
           <p:cNvSpPr>
             <a:spLocks noGrp="1"/>
           </p:cNvSpPr>
@@ -1516,61 +1471,7 @@
             </a:pPr>
             <a:r>
               <a:rPr sz="2200" dirty="0"/>
-              <a:t>Comment out the </a:t>
-            </a:r>
-            <a:r>
-              <a:rPr lang="en-US" sz="2200" dirty="0" smtClean="0"/>
-              <a:t>inherit from</a:t>
-            </a:r>
-            <a:r>
-              <a:rPr sz="2200" dirty="0" smtClean="0"/>
-              <a:t> </a:t>
-            </a:r>
-            <a:r>
-              <a:rPr sz="2200" dirty="0"/>
-              <a:t>line.</a:t>
-            </a:r>
-          </a:p>
-          <a:p>
-            <a:pPr lvl="0">
-              <a:defRPr sz="1800"/>
-            </a:pPr>
-            <a:endParaRPr sz="2200" dirty="0"/>
-          </a:p>
-          <a:p>
-            <a:pPr lvl="0">
-              <a:defRPr sz="1800"/>
-            </a:pPr>
-            <a:r>
-              <a:rPr sz="2200" dirty="0"/>
-              <a:t>1) Chef doesn’t support encoding comments (yet) https://tickets.opscode.com/browse/CHEF-3304</a:t>
-            </a:r>
-          </a:p>
-          <a:p>
-            <a:pPr lvl="0">
-              <a:defRPr sz="1800"/>
-            </a:pPr>
-            <a:r>
-              <a:rPr sz="2200" dirty="0"/>
-              <a:t>2) Really?!?  Who still writes in 80 columns?</a:t>
-            </a:r>
-          </a:p>
-          <a:p>
-            <a:pPr lvl="0">
-              <a:defRPr sz="1800"/>
-            </a:pPr>
-            <a:r>
-              <a:rPr sz="2200" dirty="0"/>
-              <a:t>3) Many cookbooks still try to be compatible with Ruby 1.8 (Chef 10).  Don’t squawk at them for being nice!</a:t>
-            </a:r>
-          </a:p>
-          <a:p>
-            <a:pPr lvl="0">
-              <a:defRPr sz="1800"/>
-            </a:pPr>
-            <a:r>
-              <a:rPr sz="2200" dirty="0"/>
-              <a:t>4) Personally, I might fix this one, but there’s a lot of them, and we’re pressed for time.  Pick one to let them fix just to illustrate the workflow</a:t>
+              <a:t>That looks better, only 4 offenses</a:t>
             </a:r>
           </a:p>
         </p:txBody>
@@ -1578,7 +1479,7 @@
     </p:spTree>
     <p:extLst>
       <p:ext uri="{BB962C8B-B14F-4D97-AF65-F5344CB8AC3E}">
-        <p14:creationId xmlns:p14="http://schemas.microsoft.com/office/powerpoint/2010/main" val="1843654140"/>
+        <p14:creationId xmlns:p14="http://schemas.microsoft.com/office/powerpoint/2010/main" val="3880026648"/>
       </p:ext>
     </p:extLst>
   </p:cSld>
@@ -1607,7 +1508,7 @@
       </p:grpSpPr>
       <p:sp>
         <p:nvSpPr>
-          <p:cNvPr id="6529" name="Shape 6529"/>
+          <p:cNvPr id="6543" name="Shape 6543"/>
           <p:cNvSpPr>
             <a:spLocks noGrp="1" noRot="1" noChangeAspect="1"/>
           </p:cNvSpPr>
@@ -1631,7 +1532,7 @@
       </p:sp>
       <p:sp>
         <p:nvSpPr>
-          <p:cNvPr id="6530" name="Shape 6530"/>
+          <p:cNvPr id="6544" name="Shape 6544"/>
           <p:cNvSpPr>
             <a:spLocks noGrp="1"/>
           </p:cNvSpPr>
@@ -1653,7 +1554,19 @@
             </a:pPr>
             <a:r>
               <a:rPr sz="2200" dirty="0"/>
-              <a:t>That looks better, only 4 offenses</a:t>
+              <a:t>Uncomment the </a:t>
+            </a:r>
+            <a:r>
+              <a:rPr lang="en-US" sz="2200" dirty="0" smtClean="0"/>
+              <a:t>inherit from</a:t>
+            </a:r>
+            <a:r>
+              <a:rPr sz="2200" dirty="0" smtClean="0"/>
+              <a:t>: </a:t>
+            </a:r>
+            <a:r>
+              <a:rPr sz="2200" dirty="0"/>
+              <a:t>line</a:t>
             </a:r>
           </a:p>
         </p:txBody>
@@ -1661,7 +1574,7 @@
     </p:spTree>
     <p:extLst>
       <p:ext uri="{BB962C8B-B14F-4D97-AF65-F5344CB8AC3E}">
-        <p14:creationId xmlns:p14="http://schemas.microsoft.com/office/powerpoint/2010/main" val="3880026648"/>
+        <p14:creationId xmlns:p14="http://schemas.microsoft.com/office/powerpoint/2010/main" val="2771248149"/>
       </p:ext>
     </p:extLst>
   </p:cSld>
@@ -1690,7 +1603,7 @@
       </p:grpSpPr>
       <p:sp>
         <p:nvSpPr>
-          <p:cNvPr id="6543" name="Shape 6543"/>
+          <p:cNvPr id="6553" name="Shape 6553"/>
           <p:cNvSpPr>
             <a:spLocks noGrp="1" noRot="1" noChangeAspect="1"/>
           </p:cNvSpPr>
@@ -1714,7 +1627,7 @@
       </p:sp>
       <p:sp>
         <p:nvSpPr>
-          <p:cNvPr id="6544" name="Shape 6544"/>
+          <p:cNvPr id="6554" name="Shape 6554"/>
           <p:cNvSpPr>
             <a:spLocks noGrp="1"/>
           </p:cNvSpPr>
@@ -1736,19 +1649,22 @@
             </a:pPr>
             <a:r>
               <a:rPr sz="2200" dirty="0"/>
-              <a:t>Uncomment the </a:t>
-            </a:r>
-            <a:r>
-              <a:rPr lang="en-US" sz="2200" dirty="0" smtClean="0"/>
-              <a:t>inherit from</a:t>
-            </a:r>
-            <a:r>
-              <a:rPr sz="2200" dirty="0" smtClean="0"/>
-              <a:t>: </a:t>
-            </a:r>
+              <a:t>Remove the configuration entry that suppresses TrailingWhitespace</a:t>
+            </a:r>
+          </a:p>
+          <a:p>
+            <a:pPr lvl="0">
+              <a:defRPr sz="1800"/>
+            </a:pPr>
+            <a:endParaRPr sz="2200" dirty="0"/>
+          </a:p>
+          <a:p>
+            <a:pPr lvl="0">
+              <a:defRPr sz="1800"/>
+            </a:pPr>
             <a:r>
               <a:rPr sz="2200" dirty="0"/>
-              <a:t>line</a:t>
+              <a:t>We especially want to fix this because extraneous whitespace can often make merge operations messy - even when we choose to set “ignore whitespace” on the diff tool</a:t>
             </a:r>
           </a:p>
         </p:txBody>
@@ -1756,7 +1672,7 @@
     </p:spTree>
     <p:extLst>
       <p:ext uri="{BB962C8B-B14F-4D97-AF65-F5344CB8AC3E}">
-        <p14:creationId xmlns:p14="http://schemas.microsoft.com/office/powerpoint/2010/main" val="2771248149"/>
+        <p14:creationId xmlns:p14="http://schemas.microsoft.com/office/powerpoint/2010/main" val="2378108696"/>
       </p:ext>
     </p:extLst>
   </p:cSld>
@@ -1905,7 +1821,7 @@
           <a:p>
             <a:fld id="{1D8BD707-D9CF-40AE-B4C6-C98DA3205C09}" type="datetimeFigureOut">
               <a:rPr lang="en-US"/>
-              <a:t>6/29/2015</a:t>
+              <a:t>6/29/15</a:t>
             </a:fld>
             <a:endParaRPr lang="en-US" dirty="0"/>
           </a:p>
@@ -2090,7 +2006,7 @@
           <a:p>
             <a:fld id="{1D8BD707-D9CF-40AE-B4C6-C98DA3205C09}" type="datetimeFigureOut">
               <a:rPr lang="en-US"/>
-              <a:t>6/29/2015</a:t>
+              <a:t>6/29/15</a:t>
             </a:fld>
             <a:endParaRPr lang="en-US" dirty="0"/>
           </a:p>
@@ -5332,7 +5248,7 @@
           <a:p>
             <a:fld id="{1D8BD707-D9CF-40AE-B4C6-C98DA3205C09}" type="datetimeFigureOut">
               <a:rPr lang="en-US"/>
-              <a:t>6/29/2015</a:t>
+              <a:t>6/29/15</a:t>
             </a:fld>
             <a:endParaRPr lang="en-US" dirty="0"/>
           </a:p>
@@ -5486,7 +5402,7 @@
           <a:p>
             <a:fld id="{1D8BD707-D9CF-40AE-B4C6-C98DA3205C09}" type="datetimeFigureOut">
               <a:rPr lang="en-US"/>
-              <a:t>6/29/2015</a:t>
+              <a:t>6/29/15</a:t>
             </a:fld>
             <a:endParaRPr lang="en-US" dirty="0"/>
           </a:p>
@@ -8659,7 +8575,7 @@
           <a:p>
             <a:fld id="{1D8BD707-D9CF-40AE-B4C6-C98DA3205C09}" type="datetimeFigureOut">
               <a:rPr lang="en-US"/>
-              <a:t>6/29/2015</a:t>
+              <a:t>6/29/15</a:t>
             </a:fld>
             <a:endParaRPr lang="en-US" dirty="0"/>
           </a:p>
@@ -8875,7 +8791,7 @@
   <p:clrMapOvr>
     <a:masterClrMapping/>
   </p:clrMapOvr>
-  <p:transition spd="med"/>
+  <p:transition xmlns:p14="http://schemas.microsoft.com/office/powerpoint/2010/main" spd="med"/>
 </p:sldLayout>
 </file>
 
@@ -9012,7 +8928,7 @@
   <p:clrMapOvr>
     <a:masterClrMapping/>
   </p:clrMapOvr>
-  <p:transition spd="med"/>
+  <p:transition xmlns:p14="http://schemas.microsoft.com/office/powerpoint/2010/main" spd="med"/>
 </p:sldLayout>
 </file>
 
@@ -9245,7 +9161,7 @@
           <a:p>
             <a:fld id="{1D8BD707-D9CF-40AE-B4C6-C98DA3205C09}" type="datetimeFigureOut">
               <a:rPr lang="en-US"/>
-              <a:t>6/29/2015</a:t>
+              <a:t>6/29/15</a:t>
             </a:fld>
             <a:endParaRPr lang="en-US" dirty="0"/>
           </a:p>
@@ -19858,7 +19774,7 @@
   <p:timing>
     <p:tnLst>
       <p:par>
-        <p:cTn id="1" dur="indefinite" restart="never" nodeType="tmRoot"/>
+        <p:cTn xmlns:p14="http://schemas.microsoft.com/office/powerpoint/2010/main" id="1" dur="indefinite" restart="never" nodeType="tmRoot"/>
       </p:par>
     </p:tnLst>
   </p:timing>
@@ -19901,7 +19817,7 @@
           </a:ln>
           <a:extLst>
             <a:ext uri="{C572A759-6A51-4108-AA02-DFA0A04FC94B}">
-              <ma14:wrappingTextBoxFlag xmlns:ma14="http://schemas.microsoft.com/office/mac/drawingml/2011/main" xmlns="" val="1"/>
+              <ma14:wrappingTextBoxFlag xmlns:ma14="http://schemas.microsoft.com/office/mac/drawingml/2011/main" val="1"/>
             </a:ext>
           </a:extLst>
         </p:spPr>
@@ -19949,7 +19865,7 @@
           </a:ln>
           <a:extLst>
             <a:ext uri="{C572A759-6A51-4108-AA02-DFA0A04FC94B}">
-              <ma14:wrappingTextBoxFlag xmlns:ma14="http://schemas.microsoft.com/office/mac/drawingml/2011/main" xmlns="" val="1"/>
+              <ma14:wrappingTextBoxFlag xmlns:ma14="http://schemas.microsoft.com/office/mac/drawingml/2011/main" val="1"/>
             </a:ext>
           </a:extLst>
         </p:spPr>
@@ -20006,7 +19922,7 @@
           </a:ln>
           <a:extLst>
             <a:ext uri="{C572A759-6A51-4108-AA02-DFA0A04FC94B}">
-              <ma14:wrappingTextBoxFlag xmlns:ma14="http://schemas.microsoft.com/office/mac/drawingml/2011/main" xmlns="" val="1"/>
+              <ma14:wrappingTextBoxFlag xmlns:ma14="http://schemas.microsoft.com/office/mac/drawingml/2011/main" val="1"/>
             </a:ext>
           </a:extLst>
         </p:spPr>
@@ -20292,7 +20208,7 @@
   <p:clrMapOvr>
     <a:masterClrMapping/>
   </p:clrMapOvr>
-  <p:transition spd="med"/>
+  <p:transition xmlns:p14="http://schemas.microsoft.com/office/powerpoint/2010/main" spd="med"/>
 </p:sld>
 </file>
 
@@ -20332,7 +20248,7 @@
           </a:ln>
           <a:extLst>
             <a:ext uri="{C572A759-6A51-4108-AA02-DFA0A04FC94B}">
-              <ma14:wrappingTextBoxFlag xmlns:ma14="http://schemas.microsoft.com/office/mac/drawingml/2011/main" xmlns="" val="1"/>
+              <ma14:wrappingTextBoxFlag xmlns:ma14="http://schemas.microsoft.com/office/mac/drawingml/2011/main" val="1"/>
             </a:ext>
           </a:extLst>
         </p:spPr>
@@ -20380,7 +20296,7 @@
           </a:ln>
           <a:extLst>
             <a:ext uri="{C572A759-6A51-4108-AA02-DFA0A04FC94B}">
-              <ma14:wrappingTextBoxFlag xmlns:ma14="http://schemas.microsoft.com/office/mac/drawingml/2011/main" xmlns="" val="1"/>
+              <ma14:wrappingTextBoxFlag xmlns:ma14="http://schemas.microsoft.com/office/mac/drawingml/2011/main" val="1"/>
             </a:ext>
           </a:extLst>
         </p:spPr>
@@ -20428,7 +20344,7 @@
           </a:ln>
           <a:extLst>
             <a:ext uri="{C572A759-6A51-4108-AA02-DFA0A04FC94B}">
-              <ma14:wrappingTextBoxFlag xmlns:ma14="http://schemas.microsoft.com/office/mac/drawingml/2011/main" xmlns="" val="1"/>
+              <ma14:wrappingTextBoxFlag xmlns:ma14="http://schemas.microsoft.com/office/mac/drawingml/2011/main" val="1"/>
             </a:ext>
           </a:extLst>
         </p:spPr>
@@ -20485,7 +20401,7 @@
           </a:ln>
           <a:extLst>
             <a:ext uri="{C572A759-6A51-4108-AA02-DFA0A04FC94B}">
-              <ma14:wrappingTextBoxFlag xmlns:ma14="http://schemas.microsoft.com/office/mac/drawingml/2011/main" xmlns="" val="1"/>
+              <ma14:wrappingTextBoxFlag xmlns:ma14="http://schemas.microsoft.com/office/mac/drawingml/2011/main" val="1"/>
             </a:ext>
           </a:extLst>
         </p:spPr>
@@ -20581,7 +20497,7 @@
   <p:clrMapOvr>
     <a:masterClrMapping/>
   </p:clrMapOvr>
-  <p:transition spd="med"/>
+  <p:transition xmlns:p14="http://schemas.microsoft.com/office/powerpoint/2010/main" spd="med"/>
 </p:sld>
 </file>
 
@@ -20628,7 +20544,7 @@
           </a:ln>
           <a:extLst>
             <a:ext uri="{C572A759-6A51-4108-AA02-DFA0A04FC94B}">
-              <ma14:wrappingTextBoxFlag xmlns:ma14="http://schemas.microsoft.com/office/mac/drawingml/2011/main" xmlns="" val="1"/>
+              <ma14:wrappingTextBoxFlag xmlns:ma14="http://schemas.microsoft.com/office/mac/drawingml/2011/main" val="1"/>
             </a:ext>
           </a:extLst>
         </p:spPr>
@@ -20743,7 +20659,7 @@
           </a:ln>
           <a:extLst>
             <a:ext uri="{C572A759-6A51-4108-AA02-DFA0A04FC94B}">
-              <ma14:wrappingTextBoxFlag xmlns:ma14="http://schemas.microsoft.com/office/mac/drawingml/2011/main" xmlns="" val="1"/>
+              <ma14:wrappingTextBoxFlag xmlns:ma14="http://schemas.microsoft.com/office/mac/drawingml/2011/main" val="1"/>
             </a:ext>
           </a:extLst>
         </p:spPr>
@@ -20863,7 +20779,7 @@
   <p:clrMapOvr>
     <a:masterClrMapping/>
   </p:clrMapOvr>
-  <p:transition spd="med"/>
+  <p:transition xmlns:p14="http://schemas.microsoft.com/office/powerpoint/2010/main" spd="med"/>
 </p:sld>
 </file>
 
@@ -20903,7 +20819,7 @@
           </a:ln>
           <a:extLst>
             <a:ext uri="{C572A759-6A51-4108-AA02-DFA0A04FC94B}">
-              <ma14:wrappingTextBoxFlag xmlns:ma14="http://schemas.microsoft.com/office/mac/drawingml/2011/main" xmlns="" val="1"/>
+              <ma14:wrappingTextBoxFlag xmlns:ma14="http://schemas.microsoft.com/office/mac/drawingml/2011/main" val="1"/>
             </a:ext>
           </a:extLst>
         </p:spPr>
@@ -21039,7 +20955,6 @@
               <a:rPr lang="en-US" dirty="0"/>
               <a:t>Work Through the Issues</a:t>
             </a:r>
-            <a:endParaRPr lang="en-US" dirty="0"/>
           </a:p>
         </p:txBody>
       </p:sp>
@@ -21078,18 +20993,18 @@
   <p:clrMapOvr>
     <a:masterClrMapping/>
   </p:clrMapOvr>
-  <mc:AlternateContent xmlns:mc="http://schemas.openxmlformats.org/markup-compatibility/2006">
-    <mc:Choice xmlns:p14="http://schemas.microsoft.com/office/powerpoint/2010/main" Requires="p14">
+  <mc:AlternateContent xmlns:mc="http://schemas.openxmlformats.org/markup-compatibility/2006" xmlns:p14="http://schemas.microsoft.com/office/powerpoint/2010/main">
+    <mc:Choice Requires="p14">
       <p:transition spd="slow" p14:dur="2000"/>
     </mc:Choice>
-    <mc:Fallback>
+    <mc:Fallback xmlns="">
       <p:transition spd="slow"/>
     </mc:Fallback>
   </mc:AlternateContent>
   <p:timing>
     <p:tnLst>
       <p:par>
-        <p:cTn id="1" dur="indefinite" restart="never" nodeType="tmRoot"/>
+        <p:cTn xmlns:p14="http://schemas.microsoft.com/office/powerpoint/2010/main" id="1" dur="indefinite" restart="never" nodeType="tmRoot"/>
       </p:par>
     </p:tnLst>
   </p:timing>
@@ -21132,7 +21047,7 @@
           </a:ln>
           <a:extLst>
             <a:ext uri="{C572A759-6A51-4108-AA02-DFA0A04FC94B}">
-              <ma14:wrappingTextBoxFlag xmlns:ma14="http://schemas.microsoft.com/office/mac/drawingml/2011/main" xmlns="" val="1"/>
+              <ma14:wrappingTextBoxFlag xmlns:ma14="http://schemas.microsoft.com/office/mac/drawingml/2011/main" val="1"/>
             </a:ext>
           </a:extLst>
         </p:spPr>
@@ -21180,7 +21095,7 @@
           </a:ln>
           <a:extLst>
             <a:ext uri="{C572A759-6A51-4108-AA02-DFA0A04FC94B}">
-              <ma14:wrappingTextBoxFlag xmlns:ma14="http://schemas.microsoft.com/office/mac/drawingml/2011/main" xmlns="" val="1"/>
+              <ma14:wrappingTextBoxFlag xmlns:ma14="http://schemas.microsoft.com/office/mac/drawingml/2011/main" val="1"/>
             </a:ext>
           </a:extLst>
         </p:spPr>
@@ -21237,7 +21152,7 @@
           </a:ln>
           <a:extLst>
             <a:ext uri="{C572A759-6A51-4108-AA02-DFA0A04FC94B}">
-              <ma14:wrappingTextBoxFlag xmlns:ma14="http://schemas.microsoft.com/office/mac/drawingml/2011/main" xmlns="" val="1"/>
+              <ma14:wrappingTextBoxFlag xmlns:ma14="http://schemas.microsoft.com/office/mac/drawingml/2011/main" val="1"/>
             </a:ext>
           </a:extLst>
         </p:spPr>
@@ -21593,7 +21508,7 @@
           </a:ln>
           <a:extLst>
             <a:ext uri="{C572A759-6A51-4108-AA02-DFA0A04FC94B}">
-              <ma14:wrappingTextBoxFlag xmlns:ma14="http://schemas.microsoft.com/office/mac/drawingml/2011/main" xmlns="" val="1"/>
+              <ma14:wrappingTextBoxFlag xmlns:ma14="http://schemas.microsoft.com/office/mac/drawingml/2011/main" val="1"/>
             </a:ext>
           </a:extLst>
         </p:spPr>
@@ -21632,7 +21547,7 @@
   <p:clrMapOvr>
     <a:masterClrMapping/>
   </p:clrMapOvr>
-  <p:transition spd="med"/>
+  <p:transition xmlns:p14="http://schemas.microsoft.com/office/powerpoint/2010/main" spd="med"/>
 </p:sld>
 </file>
 
@@ -21679,7 +21594,7 @@
           </a:ln>
           <a:extLst>
             <a:ext uri="{C572A759-6A51-4108-AA02-DFA0A04FC94B}">
-              <ma14:wrappingTextBoxFlag xmlns:ma14="http://schemas.microsoft.com/office/mac/drawingml/2011/main" xmlns="" val="1"/>
+              <ma14:wrappingTextBoxFlag xmlns:ma14="http://schemas.microsoft.com/office/mac/drawingml/2011/main" val="1"/>
             </a:ext>
           </a:extLst>
         </p:spPr>
@@ -21806,7 +21721,7 @@
           </a:ln>
           <a:extLst>
             <a:ext uri="{C572A759-6A51-4108-AA02-DFA0A04FC94B}">
-              <ma14:wrappingTextBoxFlag xmlns:ma14="http://schemas.microsoft.com/office/mac/drawingml/2011/main" xmlns="" val="1"/>
+              <ma14:wrappingTextBoxFlag xmlns:ma14="http://schemas.microsoft.com/office/mac/drawingml/2011/main" val="1"/>
             </a:ext>
           </a:extLst>
         </p:spPr>
@@ -22138,7 +22053,7 @@
   <p:clrMapOvr>
     <a:masterClrMapping/>
   </p:clrMapOvr>
-  <p:transition spd="med"/>
+  <p:transition xmlns:p14="http://schemas.microsoft.com/office/powerpoint/2010/main" spd="med"/>
 </p:sld>
 </file>
 
@@ -22178,7 +22093,7 @@
           </a:ln>
           <a:extLst>
             <a:ext uri="{C572A759-6A51-4108-AA02-DFA0A04FC94B}">
-              <ma14:wrappingTextBoxFlag xmlns:ma14="http://schemas.microsoft.com/office/mac/drawingml/2011/main" xmlns="" val="1"/>
+              <ma14:wrappingTextBoxFlag xmlns:ma14="http://schemas.microsoft.com/office/mac/drawingml/2011/main" val="1"/>
             </a:ext>
           </a:extLst>
         </p:spPr>
@@ -22442,7 +22357,7 @@
   <p:clrMapOvr>
     <a:masterClrMapping/>
   </p:clrMapOvr>
-  <p:transition spd="med"/>
+  <p:transition xmlns:p14="http://schemas.microsoft.com/office/powerpoint/2010/main" spd="med"/>
 </p:sld>
 </file>
 
@@ -22482,7 +22397,7 @@
           </a:ln>
           <a:extLst>
             <a:ext uri="{C572A759-6A51-4108-AA02-DFA0A04FC94B}">
-              <ma14:wrappingTextBoxFlag xmlns:ma14="http://schemas.microsoft.com/office/mac/drawingml/2011/main" xmlns="" val="1"/>
+              <ma14:wrappingTextBoxFlag xmlns:ma14="http://schemas.microsoft.com/office/mac/drawingml/2011/main" val="1"/>
             </a:ext>
           </a:extLst>
         </p:spPr>
@@ -22530,7 +22445,7 @@
           </a:ln>
           <a:extLst>
             <a:ext uri="{C572A759-6A51-4108-AA02-DFA0A04FC94B}">
-              <ma14:wrappingTextBoxFlag xmlns:ma14="http://schemas.microsoft.com/office/mac/drawingml/2011/main" xmlns="" val="1"/>
+              <ma14:wrappingTextBoxFlag xmlns:ma14="http://schemas.microsoft.com/office/mac/drawingml/2011/main" val="1"/>
             </a:ext>
           </a:extLst>
         </p:spPr>
@@ -22578,7 +22493,7 @@
           </a:ln>
           <a:extLst>
             <a:ext uri="{C572A759-6A51-4108-AA02-DFA0A04FC94B}">
-              <ma14:wrappingTextBoxFlag xmlns:ma14="http://schemas.microsoft.com/office/mac/drawingml/2011/main" xmlns="" val="1"/>
+              <ma14:wrappingTextBoxFlag xmlns:ma14="http://schemas.microsoft.com/office/mac/drawingml/2011/main" val="1"/>
             </a:ext>
           </a:extLst>
         </p:spPr>
@@ -22635,7 +22550,7 @@
           </a:ln>
           <a:extLst>
             <a:ext uri="{C572A759-6A51-4108-AA02-DFA0A04FC94B}">
-              <ma14:wrappingTextBoxFlag xmlns:ma14="http://schemas.microsoft.com/office/mac/drawingml/2011/main" xmlns="" val="1"/>
+              <ma14:wrappingTextBoxFlag xmlns:ma14="http://schemas.microsoft.com/office/mac/drawingml/2011/main" val="1"/>
             </a:ext>
           </a:extLst>
         </p:spPr>
@@ -22926,7 +22841,7 @@
   <p:clrMapOvr>
     <a:masterClrMapping/>
   </p:clrMapOvr>
-  <p:transition spd="med"/>
+  <p:transition xmlns:p14="http://schemas.microsoft.com/office/powerpoint/2010/main" spd="med"/>
 </p:sld>
 </file>
 
@@ -22966,7 +22881,7 @@
           </a:ln>
           <a:extLst>
             <a:ext uri="{C572A759-6A51-4108-AA02-DFA0A04FC94B}">
-              <ma14:wrappingTextBoxFlag xmlns:ma14="http://schemas.microsoft.com/office/mac/drawingml/2011/main" xmlns="" val="1"/>
+              <ma14:wrappingTextBoxFlag xmlns:ma14="http://schemas.microsoft.com/office/mac/drawingml/2011/main" val="1"/>
             </a:ext>
           </a:extLst>
         </p:spPr>
@@ -23014,7 +22929,7 @@
           </a:ln>
           <a:extLst>
             <a:ext uri="{C572A759-6A51-4108-AA02-DFA0A04FC94B}">
-              <ma14:wrappingTextBoxFlag xmlns:ma14="http://schemas.microsoft.com/office/mac/drawingml/2011/main" xmlns="" val="1"/>
+              <ma14:wrappingTextBoxFlag xmlns:ma14="http://schemas.microsoft.com/office/mac/drawingml/2011/main" val="1"/>
             </a:ext>
           </a:extLst>
         </p:spPr>
@@ -23071,7 +22986,7 @@
           </a:ln>
           <a:extLst>
             <a:ext uri="{C572A759-6A51-4108-AA02-DFA0A04FC94B}">
-              <ma14:wrappingTextBoxFlag xmlns:ma14="http://schemas.microsoft.com/office/mac/drawingml/2011/main" xmlns="" val="1"/>
+              <ma14:wrappingTextBoxFlag xmlns:ma14="http://schemas.microsoft.com/office/mac/drawingml/2011/main" val="1"/>
             </a:ext>
           </a:extLst>
         </p:spPr>
@@ -23437,7 +23352,7 @@
           </a:ln>
           <a:extLst>
             <a:ext uri="{C572A759-6A51-4108-AA02-DFA0A04FC94B}">
-              <ma14:wrappingTextBoxFlag xmlns:ma14="http://schemas.microsoft.com/office/mac/drawingml/2011/main" xmlns="" val="1"/>
+              <ma14:wrappingTextBoxFlag xmlns:ma14="http://schemas.microsoft.com/office/mac/drawingml/2011/main" val="1"/>
             </a:ext>
           </a:extLst>
         </p:spPr>
@@ -23476,7 +23391,7 @@
   <p:clrMapOvr>
     <a:masterClrMapping/>
   </p:clrMapOvr>
-  <p:transition spd="med"/>
+  <p:transition xmlns:p14="http://schemas.microsoft.com/office/powerpoint/2010/main" spd="med"/>
 </p:sld>
 </file>
 
@@ -23523,7 +23438,7 @@
           </a:ln>
           <a:extLst>
             <a:ext uri="{C572A759-6A51-4108-AA02-DFA0A04FC94B}">
-              <ma14:wrappingTextBoxFlag xmlns:ma14="http://schemas.microsoft.com/office/mac/drawingml/2011/main" xmlns="" val="1"/>
+              <ma14:wrappingTextBoxFlag xmlns:ma14="http://schemas.microsoft.com/office/mac/drawingml/2011/main" val="1"/>
             </a:ext>
           </a:extLst>
         </p:spPr>
@@ -23648,7 +23563,7 @@
           </a:ln>
           <a:extLst>
             <a:ext uri="{C572A759-6A51-4108-AA02-DFA0A04FC94B}">
-              <ma14:wrappingTextBoxFlag xmlns:ma14="http://schemas.microsoft.com/office/mac/drawingml/2011/main" xmlns="" val="1"/>
+              <ma14:wrappingTextBoxFlag xmlns:ma14="http://schemas.microsoft.com/office/mac/drawingml/2011/main" val="1"/>
             </a:ext>
           </a:extLst>
         </p:spPr>
@@ -23825,7 +23740,7 @@
   <p:clrMapOvr>
     <a:masterClrMapping/>
   </p:clrMapOvr>
-  <p:transition spd="med"/>
+  <p:transition xmlns:p14="http://schemas.microsoft.com/office/powerpoint/2010/main" spd="med"/>
 </p:sld>
 </file>
 
@@ -23865,7 +23780,7 @@
           </a:ln>
           <a:extLst>
             <a:ext uri="{C572A759-6A51-4108-AA02-DFA0A04FC94B}">
-              <ma14:wrappingTextBoxFlag xmlns:ma14="http://schemas.microsoft.com/office/mac/drawingml/2011/main" xmlns="" val="1"/>
+              <ma14:wrappingTextBoxFlag xmlns:ma14="http://schemas.microsoft.com/office/mac/drawingml/2011/main" val="1"/>
             </a:ext>
           </a:extLst>
         </p:spPr>
@@ -24056,18 +23971,18 @@
   <p:clrMapOvr>
     <a:masterClrMapping/>
   </p:clrMapOvr>
-  <mc:AlternateContent xmlns:mc="http://schemas.openxmlformats.org/markup-compatibility/2006">
-    <mc:Choice xmlns:p14="http://schemas.microsoft.com/office/powerpoint/2010/main" Requires="p14">
+  <mc:AlternateContent xmlns:mc="http://schemas.openxmlformats.org/markup-compatibility/2006" xmlns:p14="http://schemas.microsoft.com/office/powerpoint/2010/main">
+    <mc:Choice Requires="p14">
       <p:transition spd="slow" p14:dur="2000"/>
     </mc:Choice>
-    <mc:Fallback>
+    <mc:Fallback xmlns="">
       <p:transition spd="slow"/>
     </mc:Fallback>
   </mc:AlternateContent>
   <p:timing>
     <p:tnLst>
       <p:par>
-        <p:cTn id="1" dur="indefinite" restart="never" nodeType="tmRoot"/>
+        <p:cTn xmlns:p14="http://schemas.microsoft.com/office/powerpoint/2010/main" id="1" dur="indefinite" restart="never" nodeType="tmRoot"/>
       </p:par>
     </p:tnLst>
   </p:timing>
@@ -24110,7 +24025,7 @@
           </a:ln>
           <a:extLst>
             <a:ext uri="{C572A759-6A51-4108-AA02-DFA0A04FC94B}">
-              <ma14:wrappingTextBoxFlag xmlns:ma14="http://schemas.microsoft.com/office/mac/drawingml/2011/main" xmlns="" val="1"/>
+              <ma14:wrappingTextBoxFlag xmlns:ma14="http://schemas.microsoft.com/office/mac/drawingml/2011/main" val="1"/>
             </a:ext>
           </a:extLst>
         </p:spPr>
@@ -24158,7 +24073,7 @@
           </a:ln>
           <a:extLst>
             <a:ext uri="{C572A759-6A51-4108-AA02-DFA0A04FC94B}">
-              <ma14:wrappingTextBoxFlag xmlns:ma14="http://schemas.microsoft.com/office/mac/drawingml/2011/main" xmlns="" val="1"/>
+              <ma14:wrappingTextBoxFlag xmlns:ma14="http://schemas.microsoft.com/office/mac/drawingml/2011/main" val="1"/>
             </a:ext>
           </a:extLst>
         </p:spPr>
@@ -24218,7 +24133,7 @@
           </a:ln>
           <a:extLst>
             <a:ext uri="{C572A759-6A51-4108-AA02-DFA0A04FC94B}">
-              <ma14:wrappingTextBoxFlag xmlns:ma14="http://schemas.microsoft.com/office/mac/drawingml/2011/main" xmlns="" val="1"/>
+              <ma14:wrappingTextBoxFlag xmlns:ma14="http://schemas.microsoft.com/office/mac/drawingml/2011/main" val="1"/>
             </a:ext>
           </a:extLst>
         </p:spPr>
@@ -24444,7 +24359,7 @@
           </a:ln>
           <a:extLst>
             <a:ext uri="{C572A759-6A51-4108-AA02-DFA0A04FC94B}">
-              <ma14:wrappingTextBoxFlag xmlns:ma14="http://schemas.microsoft.com/office/mac/drawingml/2011/main" xmlns="" val="1"/>
+              <ma14:wrappingTextBoxFlag xmlns:ma14="http://schemas.microsoft.com/office/mac/drawingml/2011/main" val="1"/>
             </a:ext>
           </a:extLst>
         </p:spPr>
@@ -24571,7 +24486,7 @@
           </a:ln>
           <a:extLst>
             <a:ext uri="{C572A759-6A51-4108-AA02-DFA0A04FC94B}">
-              <ma14:wrappingTextBoxFlag xmlns:ma14="http://schemas.microsoft.com/office/mac/drawingml/2011/main" xmlns="" val="1"/>
+              <ma14:wrappingTextBoxFlag xmlns:ma14="http://schemas.microsoft.com/office/mac/drawingml/2011/main" val="1"/>
             </a:ext>
           </a:extLst>
         </p:spPr>
@@ -24620,7 +24535,7 @@
   <p:clrMapOvr>
     <a:masterClrMapping/>
   </p:clrMapOvr>
-  <p:transition spd="med"/>
+  <p:transition xmlns:p14="http://schemas.microsoft.com/office/powerpoint/2010/main" spd="med"/>
 </p:sld>
 </file>
 
@@ -24667,7 +24582,7 @@
           </a:ln>
           <a:extLst>
             <a:ext uri="{C572A759-6A51-4108-AA02-DFA0A04FC94B}">
-              <ma14:wrappingTextBoxFlag xmlns:ma14="http://schemas.microsoft.com/office/mac/drawingml/2011/main" xmlns="" val="1"/>
+              <ma14:wrappingTextBoxFlag xmlns:ma14="http://schemas.microsoft.com/office/mac/drawingml/2011/main" val="1"/>
             </a:ext>
           </a:extLst>
         </p:spPr>
@@ -24792,7 +24707,7 @@
           </a:ln>
           <a:extLst>
             <a:ext uri="{C572A759-6A51-4108-AA02-DFA0A04FC94B}">
-              <ma14:wrappingTextBoxFlag xmlns:ma14="http://schemas.microsoft.com/office/mac/drawingml/2011/main" xmlns="" val="1"/>
+              <ma14:wrappingTextBoxFlag xmlns:ma14="http://schemas.microsoft.com/office/mac/drawingml/2011/main" val="1"/>
             </a:ext>
           </a:extLst>
         </p:spPr>
@@ -24897,7 +24812,7 @@
           </a:ln>
           <a:extLst>
             <a:ext uri="{C572A759-6A51-4108-AA02-DFA0A04FC94B}">
-              <ma14:wrappingTextBoxFlag xmlns:ma14="http://schemas.microsoft.com/office/mac/drawingml/2011/main" xmlns="" val="1"/>
+              <ma14:wrappingTextBoxFlag xmlns:ma14="http://schemas.microsoft.com/office/mac/drawingml/2011/main" val="1"/>
             </a:ext>
           </a:extLst>
         </p:spPr>
@@ -24947,11 +24862,11 @@
   <p:clrMapOvr>
     <a:masterClrMapping/>
   </p:clrMapOvr>
-  <p:transition spd="med"/>
+  <p:transition xmlns:p14="http://schemas.microsoft.com/office/powerpoint/2010/main" spd="med"/>
   <p:timing>
     <p:tnLst>
       <p:par>
-        <p:cTn id="1" dur="indefinite" restart="never" fill="hold" nodeType="tmRoot">
+        <p:cTn xmlns:p14="http://schemas.microsoft.com/office/powerpoint/2010/main" id="1" dur="indefinite" restart="never" fill="hold" nodeType="tmRoot">
           <p:childTnLst>
             <p:seq concurrent="1" prevAc="none" nextAc="seek">
               <p:cTn id="2" dur="indefinite" fill="hold" nodeType="mainSeq">
@@ -25072,7 +24987,7 @@
           </a:ln>
           <a:extLst>
             <a:ext uri="{C572A759-6A51-4108-AA02-DFA0A04FC94B}">
-              <ma14:wrappingTextBoxFlag xmlns:ma14="http://schemas.microsoft.com/office/mac/drawingml/2011/main" xmlns="" val="1"/>
+              <ma14:wrappingTextBoxFlag xmlns:ma14="http://schemas.microsoft.com/office/mac/drawingml/2011/main" val="1"/>
             </a:ext>
           </a:extLst>
         </p:spPr>
@@ -25149,11 +25064,6 @@
               </a:rPr>
               <a:t>What is the name of Rubocop configuration file?</a:t>
             </a:r>
-            <a:endParaRPr lang="en-US" sz="4400" dirty="0">
-              <a:latin typeface="Arial" panose="020B0604020202020204" pitchFamily="34" charset="0"/>
-              <a:cs typeface="Arial" panose="020B0604020202020204" pitchFamily="34" charset="0"/>
-              <a:sym typeface="Arial"/>
-            </a:endParaRPr>
           </a:p>
         </p:txBody>
       </p:sp>
@@ -25182,7 +25092,6 @@
               <a:rPr lang="en-US" dirty="0"/>
               <a:t>Review Questions</a:t>
             </a:r>
-            <a:endParaRPr lang="en-US" dirty="0"/>
           </a:p>
         </p:txBody>
       </p:sp>
@@ -25221,18 +25130,18 @@
   <p:clrMapOvr>
     <a:masterClrMapping/>
   </p:clrMapOvr>
-  <mc:AlternateContent xmlns:mc="http://schemas.openxmlformats.org/markup-compatibility/2006">
-    <mc:Choice xmlns:p14="http://schemas.microsoft.com/office/powerpoint/2010/main" Requires="p14">
+  <mc:AlternateContent xmlns:mc="http://schemas.openxmlformats.org/markup-compatibility/2006" xmlns:p14="http://schemas.microsoft.com/office/powerpoint/2010/main">
+    <mc:Choice Requires="p14">
       <p:transition spd="slow" p14:dur="2000"/>
     </mc:Choice>
-    <mc:Fallback>
+    <mc:Fallback xmlns="">
       <p:transition spd="slow"/>
     </mc:Fallback>
   </mc:AlternateContent>
   <p:timing>
     <p:tnLst>
       <p:par>
-        <p:cTn id="1" dur="indefinite" restart="never" nodeType="tmRoot"/>
+        <p:cTn xmlns:p14="http://schemas.microsoft.com/office/powerpoint/2010/main" id="1" dur="indefinite" restart="never" nodeType="tmRoot"/>
       </p:par>
     </p:tnLst>
   </p:timing>
@@ -26811,7 +26720,7 @@
   <p:timing>
     <p:tnLst>
       <p:par>
-        <p:cTn id="1" dur="indefinite" restart="never" nodeType="tmRoot"/>
+        <p:cTn xmlns:p14="http://schemas.microsoft.com/office/powerpoint/2010/main" id="1" dur="indefinite" restart="never" nodeType="tmRoot"/>
       </p:par>
     </p:tnLst>
   </p:timing>
@@ -26854,7 +26763,7 @@
           </a:ln>
           <a:extLst>
             <a:ext uri="{C572A759-6A51-4108-AA02-DFA0A04FC94B}">
-              <ma14:wrappingTextBoxFlag xmlns:ma14="http://schemas.microsoft.com/office/mac/drawingml/2011/main" xmlns="" val="1"/>
+              <ma14:wrappingTextBoxFlag xmlns:ma14="http://schemas.microsoft.com/office/mac/drawingml/2011/main" val="1"/>
             </a:ext>
           </a:extLst>
         </p:spPr>
@@ -27023,18 +26932,18 @@
   <p:clrMapOvr>
     <a:masterClrMapping/>
   </p:clrMapOvr>
-  <mc:AlternateContent xmlns:mc="http://schemas.openxmlformats.org/markup-compatibility/2006">
-    <mc:Choice xmlns:p14="http://schemas.microsoft.com/office/powerpoint/2010/main" Requires="p14">
+  <mc:AlternateContent xmlns:mc="http://schemas.openxmlformats.org/markup-compatibility/2006" xmlns:p14="http://schemas.microsoft.com/office/powerpoint/2010/main">
+    <mc:Choice Requires="p14">
       <p:transition spd="slow" p14:dur="2000"/>
     </mc:Choice>
-    <mc:Fallback>
+    <mc:Fallback xmlns="">
       <p:transition spd="slow"/>
     </mc:Fallback>
   </mc:AlternateContent>
   <p:timing>
     <p:tnLst>
       <p:par>
-        <p:cTn id="1" dur="indefinite" restart="never" nodeType="tmRoot"/>
+        <p:cTn xmlns:p14="http://schemas.microsoft.com/office/powerpoint/2010/main" id="1" dur="indefinite" restart="never" nodeType="tmRoot"/>
       </p:par>
     </p:tnLst>
   </p:timing>
@@ -27060,7 +26969,90 @@
       </p:grpSpPr>
       <p:sp>
         <p:nvSpPr>
-          <p:cNvPr id="2" name="Title 1"/>
+          <p:cNvPr id="6466" name="Shape 6466"/>
+          <p:cNvSpPr/>
+          <p:nvPr/>
+        </p:nvSpPr>
+        <p:spPr>
+          <a:xfrm>
+            <a:off x="813494" y="1854200"/>
+            <a:ext cx="14655801" cy="1219200"/>
+          </a:xfrm>
+          <a:prstGeom prst="rect">
+            <a:avLst/>
+          </a:prstGeom>
+          <a:solidFill/>
+          <a:ln w="25400">
+            <a:solidFill>
+              <a:srgbClr val="435363"/>
+            </a:solidFill>
+            <a:custDash>
+              <a:ds d="200000" sp="200000"/>
+            </a:custDash>
+            <a:miter lim="400000"/>
+          </a:ln>
+          <a:extLst>
+            <a:ext uri="{C572A759-6A51-4108-AA02-DFA0A04FC94B}">
+              <ma14:wrappingTextBoxFlag xmlns:ma14="http://schemas.microsoft.com/office/mac/drawingml/2011/main" val="1"/>
+            </a:ext>
+          </a:extLst>
+        </p:spPr>
+        <p:txBody>
+          <a:bodyPr lIns="228600" tIns="228600" rIns="228600" bIns="228600" anchor="ctr">
+            <a:spAutoFit/>
+          </a:bodyPr>
+          <a:lstStyle>
+            <a:lvl1pPr algn="l">
+              <a:defRPr sz="4800">
+                <a:solidFill>
+                  <a:srgbClr val="FFFFFF"/>
+                </a:solidFill>
+                <a:latin typeface="Courier"/>
+                <a:ea typeface="Courier"/>
+                <a:cs typeface="Courier"/>
+                <a:sym typeface="Courier"/>
+              </a:defRPr>
+            </a:lvl1pPr>
+          </a:lstStyle>
+          <a:p>
+            <a:pPr lvl="0">
+              <a:defRPr sz="1800">
+                <a:solidFill>
+                  <a:srgbClr val="000000"/>
+                </a:solidFill>
+              </a:defRPr>
+            </a:pPr>
+            <a:r>
+              <a:rPr sz="4800" dirty="0">
+                <a:solidFill>
+                  <a:srgbClr val="FFFFFF"/>
+                </a:solidFill>
+              </a:rPr>
+              <a:t>$ </a:t>
+            </a:r>
+            <a:r>
+              <a:rPr lang="en-US" sz="4800" dirty="0" smtClean="0">
+                <a:solidFill>
+                  <a:srgbClr val="FFFFFF"/>
+                </a:solidFill>
+                <a:latin typeface="Courier New" panose="02070309020205020404" pitchFamily="49" charset="0"/>
+                <a:cs typeface="Courier New" panose="02070309020205020404" pitchFamily="49" charset="0"/>
+              </a:rPr>
+              <a:t>cd cookbooks/apache</a:t>
+            </a:r>
+            <a:endParaRPr sz="4800" dirty="0">
+              <a:solidFill>
+                <a:srgbClr val="FFFFFF"/>
+              </a:solidFill>
+              <a:latin typeface="Courier New" panose="02070309020205020404" pitchFamily="49" charset="0"/>
+              <a:cs typeface="Courier New" panose="02070309020205020404" pitchFamily="49" charset="0"/>
+            </a:endParaRPr>
+          </a:p>
+        </p:txBody>
+      </p:sp>
+      <p:sp>
+        <p:nvSpPr>
+          <p:cNvPr id="6467" name="Shape 6467"/>
           <p:cNvSpPr>
             <a:spLocks noGrp="1"/>
           </p:cNvSpPr>
@@ -27078,21 +27070,10 @@
           <a:bodyPr/>
           <a:lstStyle/>
           <a:p>
+            <a:pPr lvl="0"/>
             <a:r>
               <a:rPr lang="en-US" dirty="0" smtClean="0"/>
-              <a:t>Navigate to </a:t>
-            </a:r>
-            <a:r>
-              <a:rPr lang="en-US" dirty="0" smtClean="0"/>
-              <a:t>Apache </a:t>
-            </a:r>
-            <a:r>
-              <a:rPr lang="en-US" dirty="0"/>
-              <a:t>C</a:t>
-            </a:r>
-            <a:r>
-              <a:rPr lang="en-US" dirty="0" smtClean="0"/>
-              <a:t>ookbook</a:t>
+              <a:t>Navigate to Apache Cookbook</a:t>
             </a:r>
             <a:endParaRPr lang="en-US" dirty="0"/>
           </a:p>
@@ -27100,45 +27081,7 @@
       </p:sp>
       <p:sp>
         <p:nvSpPr>
-          <p:cNvPr id="3" name="Text Placeholder 2"/>
-          <p:cNvSpPr>
-            <a:spLocks noGrp="1"/>
-          </p:cNvSpPr>
-          <p:nvPr>
-            <p:ph type="body" idx="1"/>
-          </p:nvPr>
-        </p:nvSpPr>
-        <p:spPr>
-          <a:xfrm>
-            <a:off x="812800" y="1676400"/>
-            <a:ext cx="14630400" cy="677108"/>
-          </a:xfrm>
-        </p:spPr>
-        <p:txBody>
-          <a:bodyPr/>
-          <a:lstStyle/>
-          <a:p>
-            <a:r>
-              <a:rPr lang="en-US" dirty="0" smtClean="0"/>
-              <a:t>$ </a:t>
-            </a:r>
-            <a:r>
-              <a:rPr lang="en-US" sz="4400" dirty="0" smtClean="0">
-                <a:latin typeface="Courier New" panose="02070309020205020404" pitchFamily="49" charset="0"/>
-                <a:cs typeface="Courier New" panose="02070309020205020404" pitchFamily="49" charset="0"/>
-              </a:rPr>
-              <a:t>cd cookbooks/apache</a:t>
-            </a:r>
-            <a:endParaRPr lang="en-US" sz="4400" dirty="0">
-              <a:latin typeface="Courier New" panose="02070309020205020404" pitchFamily="49" charset="0"/>
-              <a:cs typeface="Courier New" panose="02070309020205020404" pitchFamily="49" charset="0"/>
-            </a:endParaRPr>
-          </a:p>
-        </p:txBody>
-      </p:sp>
-      <p:sp>
-        <p:nvSpPr>
-          <p:cNvPr id="4" name="Slide Number Placeholder 3"/>
+          <p:cNvPr id="6469" name="Shape 6469"/>
           <p:cNvSpPr>
             <a:spLocks noGrp="1"/>
           </p:cNvSpPr>
@@ -27151,33 +27094,90 @@
           <a:bodyPr/>
           <a:lstStyle/>
           <a:p>
-            <a:pPr marL="25400">
-              <a:lnSpc>
-                <a:spcPct val="100000"/>
-              </a:lnSpc>
-            </a:pPr>
-            <a:fld id="{81D60167-4931-47E6-BA6A-407CBD079E47}" type="slidenum">
+            <a:pPr lvl="0"/>
+            <a:fld id="{86CB4B4D-7CA3-9044-876B-883B54F8677D}" type="slidenum">
               <a:rPr lang="en-US" smtClean="0"/>
+              <a:pPr lvl="0"/>
               <a:t>5</a:t>
             </a:fld>
             <a:endParaRPr lang="en-US" dirty="0"/>
           </a:p>
         </p:txBody>
       </p:sp>
+      <p:sp>
+        <p:nvSpPr>
+          <p:cNvPr id="6468" name="Shape 6468"/>
+          <p:cNvSpPr/>
+          <p:nvPr/>
+        </p:nvSpPr>
+        <p:spPr>
+          <a:xfrm>
+            <a:off x="825500" y="3289300"/>
+            <a:ext cx="14655800" cy="5334000"/>
+          </a:xfrm>
+          <a:prstGeom prst="rect">
+            <a:avLst/>
+          </a:prstGeom>
+          <a:solidFill/>
+          <a:ln w="25400">
+            <a:solidFill>
+              <a:srgbClr val="4D5D6D"/>
+            </a:solidFill>
+            <a:custDash>
+              <a:ds d="200000" sp="200000"/>
+            </a:custDash>
+            <a:miter lim="400000"/>
+          </a:ln>
+          <a:extLst>
+            <a:ext uri="{C572A759-6A51-4108-AA02-DFA0A04FC94B}">
+              <ma14:wrappingTextBoxFlag xmlns:ma14="http://schemas.microsoft.com/office/mac/drawingml/2011/main" val="1"/>
+            </a:ext>
+          </a:extLst>
+        </p:spPr>
+        <p:txBody>
+          <a:bodyPr lIns="38100" tIns="38100" rIns="38100" bIns="38100" anchor="ctr"/>
+          <a:lstStyle/>
+          <a:p>
+            <a:pPr lvl="0" algn="l">
+              <a:buClr>
+                <a:srgbClr val="DE5F31"/>
+              </a:buClr>
+              <a:defRPr sz="1800"/>
+            </a:pPr>
+            <a:endParaRPr sz="2400" dirty="0">
+              <a:solidFill>
+                <a:srgbClr val="FFFFFF"/>
+              </a:solidFill>
+              <a:latin typeface="Courier"/>
+              <a:ea typeface="Courier"/>
+              <a:cs typeface="Courier"/>
+              <a:sym typeface="Courier"/>
+            </a:endParaRPr>
+          </a:p>
+        </p:txBody>
+      </p:sp>
     </p:spTree>
     <p:extLst>
       <p:ext uri="{BB962C8B-B14F-4D97-AF65-F5344CB8AC3E}">
-        <p14:creationId xmlns:p14="http://schemas.microsoft.com/office/powerpoint/2010/main" val="3209529212"/>
+        <p14:creationId xmlns:p14="http://schemas.microsoft.com/office/powerpoint/2010/main" val="3575208170"/>
       </p:ext>
     </p:extLst>
   </p:cSld>
   <p:clrMapOvr>
     <a:masterClrMapping/>
   </p:clrMapOvr>
+  <mc:AlternateContent xmlns:mc="http://schemas.openxmlformats.org/markup-compatibility/2006" xmlns:p14="http://schemas.microsoft.com/office/powerpoint/2010/main">
+    <mc:Choice Requires="p14">
+      <p:transition spd="slow" p14:dur="2000"/>
+    </mc:Choice>
+    <mc:Fallback xmlns="">
+      <p:transition spd="slow"/>
+    </mc:Fallback>
+  </mc:AlternateContent>
   <p:timing>
     <p:tnLst>
       <p:par>
-        <p:cTn id="1" dur="indefinite" restart="never" nodeType="tmRoot"/>
+        <p:cTn xmlns:p14="http://schemas.microsoft.com/office/powerpoint/2010/main" id="1" dur="indefinite" restart="never" nodeType="tmRoot"/>
       </p:par>
     </p:tnLst>
   </p:timing>
@@ -27227,7 +27227,7 @@
           </a:ln>
           <a:extLst>
             <a:ext uri="{C572A759-6A51-4108-AA02-DFA0A04FC94B}">
-              <ma14:wrappingTextBoxFlag xmlns:ma14="http://schemas.microsoft.com/office/mac/drawingml/2011/main" xmlns="" val="1"/>
+              <ma14:wrappingTextBoxFlag xmlns:ma14="http://schemas.microsoft.com/office/mac/drawingml/2011/main" val="1"/>
             </a:ext>
           </a:extLst>
         </p:spPr>
@@ -27365,7 +27365,7 @@
           </a:ln>
           <a:extLst>
             <a:ext uri="{C572A759-6A51-4108-AA02-DFA0A04FC94B}">
-              <ma14:wrappingTextBoxFlag xmlns:ma14="http://schemas.microsoft.com/office/mac/drawingml/2011/main" xmlns="" val="1"/>
+              <ma14:wrappingTextBoxFlag xmlns:ma14="http://schemas.microsoft.com/office/mac/drawingml/2011/main" val="1"/>
             </a:ext>
           </a:extLst>
         </p:spPr>
@@ -27661,18 +27661,18 @@
   <p:clrMapOvr>
     <a:masterClrMapping/>
   </p:clrMapOvr>
-  <mc:AlternateContent xmlns:mc="http://schemas.openxmlformats.org/markup-compatibility/2006">
-    <mc:Choice xmlns:p14="http://schemas.microsoft.com/office/powerpoint/2010/main" Requires="p14">
+  <mc:AlternateContent xmlns:mc="http://schemas.openxmlformats.org/markup-compatibility/2006" xmlns:p14="http://schemas.microsoft.com/office/powerpoint/2010/main">
+    <mc:Choice Requires="p14">
       <p:transition spd="slow" p14:dur="2000"/>
     </mc:Choice>
-    <mc:Fallback>
+    <mc:Fallback xmlns="">
       <p:transition spd="slow"/>
     </mc:Fallback>
   </mc:AlternateContent>
   <p:timing>
     <p:tnLst>
       <p:par>
-        <p:cTn id="1" dur="indefinite" restart="never" nodeType="tmRoot"/>
+        <p:cTn xmlns:p14="http://schemas.microsoft.com/office/powerpoint/2010/main" id="1" dur="indefinite" restart="never" nodeType="tmRoot"/>
       </p:par>
     </p:tnLst>
   </p:timing>
@@ -27715,7 +27715,7 @@
           </a:ln>
           <a:extLst>
             <a:ext uri="{C572A759-6A51-4108-AA02-DFA0A04FC94B}">
-              <ma14:wrappingTextBoxFlag xmlns:ma14="http://schemas.microsoft.com/office/mac/drawingml/2011/main" xmlns="" val="1"/>
+              <ma14:wrappingTextBoxFlag xmlns:ma14="http://schemas.microsoft.com/office/mac/drawingml/2011/main" val="1"/>
             </a:ext>
           </a:extLst>
         </p:spPr>
@@ -27976,18 +27976,18 @@
   <p:clrMapOvr>
     <a:masterClrMapping/>
   </p:clrMapOvr>
-  <mc:AlternateContent xmlns:mc="http://schemas.openxmlformats.org/markup-compatibility/2006">
-    <mc:Choice xmlns:p14="http://schemas.microsoft.com/office/powerpoint/2010/main" Requires="p14">
+  <mc:AlternateContent xmlns:mc="http://schemas.openxmlformats.org/markup-compatibility/2006" xmlns:p14="http://schemas.microsoft.com/office/powerpoint/2010/main">
+    <mc:Choice Requires="p14">
       <p:transition spd="slow" p14:dur="2000"/>
     </mc:Choice>
-    <mc:Fallback>
+    <mc:Fallback xmlns="">
       <p:transition spd="slow"/>
     </mc:Fallback>
   </mc:AlternateContent>
   <p:timing>
     <p:tnLst>
       <p:par>
-        <p:cTn id="1" dur="indefinite" restart="never" nodeType="tmRoot"/>
+        <p:cTn xmlns:p14="http://schemas.microsoft.com/office/powerpoint/2010/main" id="1" dur="indefinite" restart="never" nodeType="tmRoot"/>
       </p:par>
     </p:tnLst>
   </p:timing>
@@ -28037,7 +28037,7 @@
           </a:ln>
           <a:extLst>
             <a:ext uri="{C572A759-6A51-4108-AA02-DFA0A04FC94B}">
-              <ma14:wrappingTextBoxFlag xmlns:ma14="http://schemas.microsoft.com/office/mac/drawingml/2011/main" xmlns="" val="1"/>
+              <ma14:wrappingTextBoxFlag xmlns:ma14="http://schemas.microsoft.com/office/mac/drawingml/2011/main" val="1"/>
             </a:ext>
           </a:extLst>
         </p:spPr>
@@ -28164,7 +28164,7 @@
           </a:ln>
           <a:extLst>
             <a:ext uri="{C572A759-6A51-4108-AA02-DFA0A04FC94B}">
-              <ma14:wrappingTextBoxFlag xmlns:ma14="http://schemas.microsoft.com/office/mac/drawingml/2011/main" xmlns="" val="1"/>
+              <ma14:wrappingTextBoxFlag xmlns:ma14="http://schemas.microsoft.com/office/mac/drawingml/2011/main" val="1"/>
             </a:ext>
           </a:extLst>
         </p:spPr>
@@ -28434,8 +28434,8 @@
         </p:nvSpPr>
         <p:spPr>
           <a:xfrm>
-            <a:off x="1119909" y="7424448"/>
-            <a:ext cx="11592874" cy="830552"/>
+            <a:off x="736600" y="7424448"/>
+            <a:ext cx="11976183" cy="830552"/>
           </a:xfrm>
           <a:prstGeom prst="rect">
             <a:avLst/>
@@ -28479,11 +28479,11 @@
   <p:clrMapOvr>
     <a:masterClrMapping/>
   </p:clrMapOvr>
-  <mc:AlternateContent xmlns:mc="http://schemas.openxmlformats.org/markup-compatibility/2006">
-    <mc:Choice xmlns:p14="http://schemas.microsoft.com/office/powerpoint/2010/main" Requires="p14">
+  <mc:AlternateContent xmlns:mc="http://schemas.openxmlformats.org/markup-compatibility/2006" xmlns:p14="http://schemas.microsoft.com/office/powerpoint/2010/main">
+    <mc:Choice Requires="p14">
       <p:transition spd="slow" p14:dur="2000"/>
     </mc:Choice>
-    <mc:Fallback>
+    <mc:Fallback xmlns="">
       <p:transition spd="slow"/>
     </mc:Fallback>
   </mc:AlternateContent>
@@ -28526,7 +28526,7 @@
           </a:ln>
           <a:extLst>
             <a:ext uri="{C572A759-6A51-4108-AA02-DFA0A04FC94B}">
-              <ma14:wrappingTextBoxFlag xmlns:ma14="http://schemas.microsoft.com/office/mac/drawingml/2011/main" xmlns="" val="1"/>
+              <ma14:wrappingTextBoxFlag xmlns:ma14="http://schemas.microsoft.com/office/mac/drawingml/2011/main" val="1"/>
             </a:ext>
           </a:extLst>
         </p:spPr>
@@ -28574,7 +28574,7 @@
           </a:ln>
           <a:extLst>
             <a:ext uri="{C572A759-6A51-4108-AA02-DFA0A04FC94B}">
-              <ma14:wrappingTextBoxFlag xmlns:ma14="http://schemas.microsoft.com/office/mac/drawingml/2011/main" xmlns="" val="1"/>
+              <ma14:wrappingTextBoxFlag xmlns:ma14="http://schemas.microsoft.com/office/mac/drawingml/2011/main" val="1"/>
             </a:ext>
           </a:extLst>
         </p:spPr>
@@ -28631,7 +28631,7 @@
           </a:ln>
           <a:extLst>
             <a:ext uri="{C572A759-6A51-4108-AA02-DFA0A04FC94B}">
-              <ma14:wrappingTextBoxFlag xmlns:ma14="http://schemas.microsoft.com/office/mac/drawingml/2011/main" xmlns="" val="1"/>
+              <ma14:wrappingTextBoxFlag xmlns:ma14="http://schemas.microsoft.com/office/mac/drawingml/2011/main" val="1"/>
             </a:ext>
           </a:extLst>
         </p:spPr>
@@ -28931,7 +28931,7 @@
   <p:clrMapOvr>
     <a:masterClrMapping/>
   </p:clrMapOvr>
-  <p:transition spd="med"/>
+  <p:transition xmlns:p14="http://schemas.microsoft.com/office/powerpoint/2010/main" spd="med"/>
 </p:sld>
 </file>
 
@@ -29473,7 +29473,7 @@
   <a:extraClrSchemeLst/>
   <a:extLst>
     <a:ext uri="{05A4C25C-085E-4340-85A3-A5531E510DB2}">
-      <thm15:themeFamily xmlns:thm15="http://schemas.microsoft.com/office/thememl/2012/main" name="Office Theme" id="{62F939B6-93AF-4DB8-9C6B-D6C7DFDC589F}" vid="{4A3C46E8-61CC-4603-A589-7422A47A8E4A}"/>
+      <thm15:themeFamily xmlns:thm15="http://schemas.microsoft.com/office/thememl/2012/main" xmlns="" name="Office Theme" id="{62F939B6-93AF-4DB8-9C6B-D6C7DFDC589F}" vid="{4A3C46E8-61CC-4603-A589-7422A47A8E4A}"/>
     </a:ext>
   </a:extLst>
 </a:theme>

--- a/Modules/11-Chef_Intermediate.pptx
+++ b/Modules/11-Chef_Intermediate.pptx
@@ -229,7 +229,7 @@
           <a:p>
             <a:fld id="{6C8008D8-2F79-E542-BF75-A622FCA35A75}" type="datetimeFigureOut">
               <a:rPr lang="en-US" smtClean="0"/>
-              <a:t>7/1/2015</a:t>
+              <a:t>7/2/2015</a:t>
             </a:fld>
             <a:endParaRPr lang="en-US" dirty="0"/>
           </a:p>
@@ -1821,7 +1821,7 @@
           <a:p>
             <a:fld id="{1D8BD707-D9CF-40AE-B4C6-C98DA3205C09}" type="datetimeFigureOut">
               <a:rPr lang="en-US"/>
-              <a:t>7/1/2015</a:t>
+              <a:t>7/2/2015</a:t>
             </a:fld>
             <a:endParaRPr lang="en-US" dirty="0"/>
           </a:p>
@@ -2006,7 +2006,7 @@
           <a:p>
             <a:fld id="{1D8BD707-D9CF-40AE-B4C6-C98DA3205C09}" type="datetimeFigureOut">
               <a:rPr lang="en-US"/>
-              <a:t>7/1/2015</a:t>
+              <a:t>7/2/2015</a:t>
             </a:fld>
             <a:endParaRPr lang="en-US" dirty="0"/>
           </a:p>
@@ -5248,7 +5248,7 @@
           <a:p>
             <a:fld id="{1D8BD707-D9CF-40AE-B4C6-C98DA3205C09}" type="datetimeFigureOut">
               <a:rPr lang="en-US"/>
-              <a:t>7/1/2015</a:t>
+              <a:t>7/2/2015</a:t>
             </a:fld>
             <a:endParaRPr lang="en-US" dirty="0"/>
           </a:p>
@@ -5402,7 +5402,7 @@
           <a:p>
             <a:fld id="{1D8BD707-D9CF-40AE-B4C6-C98DA3205C09}" type="datetimeFigureOut">
               <a:rPr lang="en-US"/>
-              <a:t>7/1/2015</a:t>
+              <a:t>7/2/2015</a:t>
             </a:fld>
             <a:endParaRPr lang="en-US" dirty="0"/>
           </a:p>
@@ -8575,7 +8575,7 @@
           <a:p>
             <a:fld id="{1D8BD707-D9CF-40AE-B4C6-C98DA3205C09}" type="datetimeFigureOut">
               <a:rPr lang="en-US"/>
-              <a:t>7/1/2015</a:t>
+              <a:t>7/2/2015</a:t>
             </a:fld>
             <a:endParaRPr lang="en-US" dirty="0"/>
           </a:p>
@@ -9161,7 +9161,7 @@
           <a:p>
             <a:fld id="{1D8BD707-D9CF-40AE-B4C6-C98DA3205C09}" type="datetimeFigureOut">
               <a:rPr lang="en-US"/>
-              <a:t>7/1/2015</a:t>
+              <a:t>7/2/2015</a:t>
             </a:fld>
             <a:endParaRPr lang="en-US" dirty="0"/>
           </a:p>
@@ -19766,6 +19766,139 @@
           </a:p>
         </p:txBody>
       </p:sp>
+      <p:sp>
+        <p:nvSpPr>
+          <p:cNvPr id="132" name="Holder 5"/>
+          <p:cNvSpPr txBox="1">
+            <a:spLocks/>
+          </p:cNvSpPr>
+          <p:nvPr/>
+        </p:nvSpPr>
+        <p:spPr>
+          <a:xfrm>
+            <a:off x="203200" y="8649209"/>
+            <a:ext cx="3738880" cy="276999"/>
+          </a:xfrm>
+          <a:prstGeom prst="rect">
+            <a:avLst/>
+          </a:prstGeom>
+        </p:spPr>
+        <p:txBody>
+          <a:bodyPr lIns="0" tIns="0" rIns="0" bIns="0"/>
+          <a:lstStyle>
+            <a:defPPr>
+              <a:defRPr lang="en-US"/>
+            </a:defPPr>
+            <a:lvl1pPr marL="0" algn="l" defTabSz="914400" rtl="0" eaLnBrk="1" latinLnBrk="0" hangingPunct="1">
+              <a:defRPr sz="1800" kern="1200">
+                <a:solidFill>
+                  <a:schemeClr val="tx1">
+                    <a:tint val="75000"/>
+                  </a:schemeClr>
+                </a:solidFill>
+                <a:latin typeface="+mn-lt"/>
+                <a:ea typeface="+mn-ea"/>
+                <a:cs typeface="+mn-cs"/>
+              </a:defRPr>
+            </a:lvl1pPr>
+            <a:lvl2pPr marL="457200" algn="l" defTabSz="914400" rtl="0" eaLnBrk="1" latinLnBrk="0" hangingPunct="1">
+              <a:defRPr sz="1800" kern="1200">
+                <a:solidFill>
+                  <a:schemeClr val="tx1"/>
+                </a:solidFill>
+                <a:latin typeface="+mn-lt"/>
+                <a:ea typeface="+mn-ea"/>
+                <a:cs typeface="+mn-cs"/>
+              </a:defRPr>
+            </a:lvl2pPr>
+            <a:lvl3pPr marL="914400" algn="l" defTabSz="914400" rtl="0" eaLnBrk="1" latinLnBrk="0" hangingPunct="1">
+              <a:defRPr sz="1800" kern="1200">
+                <a:solidFill>
+                  <a:schemeClr val="tx1"/>
+                </a:solidFill>
+                <a:latin typeface="+mn-lt"/>
+                <a:ea typeface="+mn-ea"/>
+                <a:cs typeface="+mn-cs"/>
+              </a:defRPr>
+            </a:lvl3pPr>
+            <a:lvl4pPr marL="1371600" algn="l" defTabSz="914400" rtl="0" eaLnBrk="1" latinLnBrk="0" hangingPunct="1">
+              <a:defRPr sz="1800" kern="1200">
+                <a:solidFill>
+                  <a:schemeClr val="tx1"/>
+                </a:solidFill>
+                <a:latin typeface="+mn-lt"/>
+                <a:ea typeface="+mn-ea"/>
+                <a:cs typeface="+mn-cs"/>
+              </a:defRPr>
+            </a:lvl4pPr>
+            <a:lvl5pPr marL="1828800" algn="l" defTabSz="914400" rtl="0" eaLnBrk="1" latinLnBrk="0" hangingPunct="1">
+              <a:defRPr sz="1800" kern="1200">
+                <a:solidFill>
+                  <a:schemeClr val="tx1"/>
+                </a:solidFill>
+                <a:latin typeface="+mn-lt"/>
+                <a:ea typeface="+mn-ea"/>
+                <a:cs typeface="+mn-cs"/>
+              </a:defRPr>
+            </a:lvl5pPr>
+            <a:lvl6pPr marL="2286000" algn="l" defTabSz="914400" rtl="0" eaLnBrk="1" latinLnBrk="0" hangingPunct="1">
+              <a:defRPr sz="1800" kern="1200">
+                <a:solidFill>
+                  <a:schemeClr val="tx1"/>
+                </a:solidFill>
+                <a:latin typeface="+mn-lt"/>
+                <a:ea typeface="+mn-ea"/>
+                <a:cs typeface="+mn-cs"/>
+              </a:defRPr>
+            </a:lvl6pPr>
+            <a:lvl7pPr marL="2743200" algn="l" defTabSz="914400" rtl="0" eaLnBrk="1" latinLnBrk="0" hangingPunct="1">
+              <a:defRPr sz="1800" kern="1200">
+                <a:solidFill>
+                  <a:schemeClr val="tx1"/>
+                </a:solidFill>
+                <a:latin typeface="+mn-lt"/>
+                <a:ea typeface="+mn-ea"/>
+                <a:cs typeface="+mn-cs"/>
+              </a:defRPr>
+            </a:lvl7pPr>
+            <a:lvl8pPr marL="3200400" algn="l" defTabSz="914400" rtl="0" eaLnBrk="1" latinLnBrk="0" hangingPunct="1">
+              <a:defRPr sz="1800" kern="1200">
+                <a:solidFill>
+                  <a:schemeClr val="tx1"/>
+                </a:solidFill>
+                <a:latin typeface="+mn-lt"/>
+                <a:ea typeface="+mn-ea"/>
+                <a:cs typeface="+mn-cs"/>
+              </a:defRPr>
+            </a:lvl8pPr>
+            <a:lvl9pPr marL="3657600" algn="l" defTabSz="914400" rtl="0" eaLnBrk="1" latinLnBrk="0" hangingPunct="1">
+              <a:defRPr sz="1800" kern="1200">
+                <a:solidFill>
+                  <a:schemeClr val="tx1"/>
+                </a:solidFill>
+                <a:latin typeface="+mn-lt"/>
+                <a:ea typeface="+mn-ea"/>
+                <a:cs typeface="+mn-cs"/>
+              </a:defRPr>
+            </a:lvl9pPr>
+          </a:lstStyle>
+          <a:p>
+            <a:r>
+              <a:rPr lang="en-US" dirty="0" smtClean="0">
+                <a:solidFill>
+                  <a:srgbClr val="7D8689"/>
+                </a:solidFill>
+              </a:rPr>
+              <a:t>Copyright © 2015 Chef Software, Inc.</a:t>
+            </a:r>
+            <a:endParaRPr lang="en-US" dirty="0">
+              <a:solidFill>
+                <a:srgbClr val="7D8689"/>
+              </a:solidFill>
+            </a:endParaRPr>
+          </a:p>
+        </p:txBody>
+      </p:sp>
     </p:spTree>
   </p:cSld>
   <p:clrMapOvr>
@@ -19817,7 +19950,7 @@
           </a:ln>
           <a:extLst>
             <a:ext uri="{C572A759-6A51-4108-AA02-DFA0A04FC94B}">
-              <ma14:wrappingTextBoxFlag xmlns:ma14="http://schemas.microsoft.com/office/mac/drawingml/2011/main" xmlns="" val="1"/>
+              <ma14:wrappingTextBoxFlag xmlns="" xmlns:ma14="http://schemas.microsoft.com/office/mac/drawingml/2011/main" val="1"/>
             </a:ext>
           </a:extLst>
         </p:spPr>
@@ -19865,7 +19998,7 @@
           </a:ln>
           <a:extLst>
             <a:ext uri="{C572A759-6A51-4108-AA02-DFA0A04FC94B}">
-              <ma14:wrappingTextBoxFlag xmlns:ma14="http://schemas.microsoft.com/office/mac/drawingml/2011/main" xmlns="" val="1"/>
+              <ma14:wrappingTextBoxFlag xmlns="" xmlns:ma14="http://schemas.microsoft.com/office/mac/drawingml/2011/main" val="1"/>
             </a:ext>
           </a:extLst>
         </p:spPr>
@@ -19922,7 +20055,7 @@
           </a:ln>
           <a:extLst>
             <a:ext uri="{C572A759-6A51-4108-AA02-DFA0A04FC94B}">
-              <ma14:wrappingTextBoxFlag xmlns:ma14="http://schemas.microsoft.com/office/mac/drawingml/2011/main" xmlns="" val="1"/>
+              <ma14:wrappingTextBoxFlag xmlns="" xmlns:ma14="http://schemas.microsoft.com/office/mac/drawingml/2011/main" val="1"/>
             </a:ext>
           </a:extLst>
         </p:spPr>
@@ -20248,7 +20381,7 @@
           </a:ln>
           <a:extLst>
             <a:ext uri="{C572A759-6A51-4108-AA02-DFA0A04FC94B}">
-              <ma14:wrappingTextBoxFlag xmlns:ma14="http://schemas.microsoft.com/office/mac/drawingml/2011/main" xmlns="" val="1"/>
+              <ma14:wrappingTextBoxFlag xmlns="" xmlns:ma14="http://schemas.microsoft.com/office/mac/drawingml/2011/main" val="1"/>
             </a:ext>
           </a:extLst>
         </p:spPr>
@@ -20296,7 +20429,7 @@
           </a:ln>
           <a:extLst>
             <a:ext uri="{C572A759-6A51-4108-AA02-DFA0A04FC94B}">
-              <ma14:wrappingTextBoxFlag xmlns:ma14="http://schemas.microsoft.com/office/mac/drawingml/2011/main" xmlns="" val="1"/>
+              <ma14:wrappingTextBoxFlag xmlns="" xmlns:ma14="http://schemas.microsoft.com/office/mac/drawingml/2011/main" val="1"/>
             </a:ext>
           </a:extLst>
         </p:spPr>
@@ -20344,7 +20477,7 @@
           </a:ln>
           <a:extLst>
             <a:ext uri="{C572A759-6A51-4108-AA02-DFA0A04FC94B}">
-              <ma14:wrappingTextBoxFlag xmlns:ma14="http://schemas.microsoft.com/office/mac/drawingml/2011/main" xmlns="" val="1"/>
+              <ma14:wrappingTextBoxFlag xmlns="" xmlns:ma14="http://schemas.microsoft.com/office/mac/drawingml/2011/main" val="1"/>
             </a:ext>
           </a:extLst>
         </p:spPr>
@@ -20401,7 +20534,7 @@
           </a:ln>
           <a:extLst>
             <a:ext uri="{C572A759-6A51-4108-AA02-DFA0A04FC94B}">
-              <ma14:wrappingTextBoxFlag xmlns:ma14="http://schemas.microsoft.com/office/mac/drawingml/2011/main" xmlns="" val="1"/>
+              <ma14:wrappingTextBoxFlag xmlns="" xmlns:ma14="http://schemas.microsoft.com/office/mac/drawingml/2011/main" val="1"/>
             </a:ext>
           </a:extLst>
         </p:spPr>
@@ -20544,7 +20677,7 @@
           </a:ln>
           <a:extLst>
             <a:ext uri="{C572A759-6A51-4108-AA02-DFA0A04FC94B}">
-              <ma14:wrappingTextBoxFlag xmlns:ma14="http://schemas.microsoft.com/office/mac/drawingml/2011/main" xmlns="" val="1"/>
+              <ma14:wrappingTextBoxFlag xmlns="" xmlns:ma14="http://schemas.microsoft.com/office/mac/drawingml/2011/main" val="1"/>
             </a:ext>
           </a:extLst>
         </p:spPr>
@@ -20659,7 +20792,7 @@
           </a:ln>
           <a:extLst>
             <a:ext uri="{C572A759-6A51-4108-AA02-DFA0A04FC94B}">
-              <ma14:wrappingTextBoxFlag xmlns:ma14="http://schemas.microsoft.com/office/mac/drawingml/2011/main" xmlns="" val="1"/>
+              <ma14:wrappingTextBoxFlag xmlns="" xmlns:ma14="http://schemas.microsoft.com/office/mac/drawingml/2011/main" val="1"/>
             </a:ext>
           </a:extLst>
         </p:spPr>
@@ -20819,7 +20952,7 @@
           </a:ln>
           <a:extLst>
             <a:ext uri="{C572A759-6A51-4108-AA02-DFA0A04FC94B}">
-              <ma14:wrappingTextBoxFlag xmlns:ma14="http://schemas.microsoft.com/office/mac/drawingml/2011/main" xmlns="" val="1"/>
+              <ma14:wrappingTextBoxFlag xmlns="" xmlns:ma14="http://schemas.microsoft.com/office/mac/drawingml/2011/main" val="1"/>
             </a:ext>
           </a:extLst>
         </p:spPr>
@@ -21047,7 +21180,7 @@
           </a:ln>
           <a:extLst>
             <a:ext uri="{C572A759-6A51-4108-AA02-DFA0A04FC94B}">
-              <ma14:wrappingTextBoxFlag xmlns:ma14="http://schemas.microsoft.com/office/mac/drawingml/2011/main" xmlns="" val="1"/>
+              <ma14:wrappingTextBoxFlag xmlns="" xmlns:ma14="http://schemas.microsoft.com/office/mac/drawingml/2011/main" val="1"/>
             </a:ext>
           </a:extLst>
         </p:spPr>
@@ -21095,7 +21228,7 @@
           </a:ln>
           <a:extLst>
             <a:ext uri="{C572A759-6A51-4108-AA02-DFA0A04FC94B}">
-              <ma14:wrappingTextBoxFlag xmlns:ma14="http://schemas.microsoft.com/office/mac/drawingml/2011/main" xmlns="" val="1"/>
+              <ma14:wrappingTextBoxFlag xmlns="" xmlns:ma14="http://schemas.microsoft.com/office/mac/drawingml/2011/main" val="1"/>
             </a:ext>
           </a:extLst>
         </p:spPr>
@@ -21152,7 +21285,7 @@
           </a:ln>
           <a:extLst>
             <a:ext uri="{C572A759-6A51-4108-AA02-DFA0A04FC94B}">
-              <ma14:wrappingTextBoxFlag xmlns:ma14="http://schemas.microsoft.com/office/mac/drawingml/2011/main" xmlns="" val="1"/>
+              <ma14:wrappingTextBoxFlag xmlns="" xmlns:ma14="http://schemas.microsoft.com/office/mac/drawingml/2011/main" val="1"/>
             </a:ext>
           </a:extLst>
         </p:spPr>
@@ -21508,7 +21641,7 @@
           </a:ln>
           <a:extLst>
             <a:ext uri="{C572A759-6A51-4108-AA02-DFA0A04FC94B}">
-              <ma14:wrappingTextBoxFlag xmlns:ma14="http://schemas.microsoft.com/office/mac/drawingml/2011/main" xmlns="" val="1"/>
+              <ma14:wrappingTextBoxFlag xmlns="" xmlns:ma14="http://schemas.microsoft.com/office/mac/drawingml/2011/main" val="1"/>
             </a:ext>
           </a:extLst>
         </p:spPr>
@@ -21594,7 +21727,7 @@
           </a:ln>
           <a:extLst>
             <a:ext uri="{C572A759-6A51-4108-AA02-DFA0A04FC94B}">
-              <ma14:wrappingTextBoxFlag xmlns:ma14="http://schemas.microsoft.com/office/mac/drawingml/2011/main" xmlns="" val="1"/>
+              <ma14:wrappingTextBoxFlag xmlns="" xmlns:ma14="http://schemas.microsoft.com/office/mac/drawingml/2011/main" val="1"/>
             </a:ext>
           </a:extLst>
         </p:spPr>
@@ -21721,7 +21854,7 @@
           </a:ln>
           <a:extLst>
             <a:ext uri="{C572A759-6A51-4108-AA02-DFA0A04FC94B}">
-              <ma14:wrappingTextBoxFlag xmlns:ma14="http://schemas.microsoft.com/office/mac/drawingml/2011/main" xmlns="" val="1"/>
+              <ma14:wrappingTextBoxFlag xmlns="" xmlns:ma14="http://schemas.microsoft.com/office/mac/drawingml/2011/main" val="1"/>
             </a:ext>
           </a:extLst>
         </p:spPr>
@@ -22093,7 +22226,7 @@
           </a:ln>
           <a:extLst>
             <a:ext uri="{C572A759-6A51-4108-AA02-DFA0A04FC94B}">
-              <ma14:wrappingTextBoxFlag xmlns:ma14="http://schemas.microsoft.com/office/mac/drawingml/2011/main" xmlns="" val="1"/>
+              <ma14:wrappingTextBoxFlag xmlns="" xmlns:ma14="http://schemas.microsoft.com/office/mac/drawingml/2011/main" val="1"/>
             </a:ext>
           </a:extLst>
         </p:spPr>
@@ -22397,7 +22530,7 @@
           </a:ln>
           <a:extLst>
             <a:ext uri="{C572A759-6A51-4108-AA02-DFA0A04FC94B}">
-              <ma14:wrappingTextBoxFlag xmlns:ma14="http://schemas.microsoft.com/office/mac/drawingml/2011/main" xmlns="" val="1"/>
+              <ma14:wrappingTextBoxFlag xmlns="" xmlns:ma14="http://schemas.microsoft.com/office/mac/drawingml/2011/main" val="1"/>
             </a:ext>
           </a:extLst>
         </p:spPr>
@@ -22445,7 +22578,7 @@
           </a:ln>
           <a:extLst>
             <a:ext uri="{C572A759-6A51-4108-AA02-DFA0A04FC94B}">
-              <ma14:wrappingTextBoxFlag xmlns:ma14="http://schemas.microsoft.com/office/mac/drawingml/2011/main" xmlns="" val="1"/>
+              <ma14:wrappingTextBoxFlag xmlns="" xmlns:ma14="http://schemas.microsoft.com/office/mac/drawingml/2011/main" val="1"/>
             </a:ext>
           </a:extLst>
         </p:spPr>
@@ -22493,7 +22626,7 @@
           </a:ln>
           <a:extLst>
             <a:ext uri="{C572A759-6A51-4108-AA02-DFA0A04FC94B}">
-              <ma14:wrappingTextBoxFlag xmlns:ma14="http://schemas.microsoft.com/office/mac/drawingml/2011/main" xmlns="" val="1"/>
+              <ma14:wrappingTextBoxFlag xmlns="" xmlns:ma14="http://schemas.microsoft.com/office/mac/drawingml/2011/main" val="1"/>
             </a:ext>
           </a:extLst>
         </p:spPr>
@@ -22550,7 +22683,7 @@
           </a:ln>
           <a:extLst>
             <a:ext uri="{C572A759-6A51-4108-AA02-DFA0A04FC94B}">
-              <ma14:wrappingTextBoxFlag xmlns:ma14="http://schemas.microsoft.com/office/mac/drawingml/2011/main" xmlns="" val="1"/>
+              <ma14:wrappingTextBoxFlag xmlns="" xmlns:ma14="http://schemas.microsoft.com/office/mac/drawingml/2011/main" val="1"/>
             </a:ext>
           </a:extLst>
         </p:spPr>
@@ -22881,7 +23014,7 @@
           </a:ln>
           <a:extLst>
             <a:ext uri="{C572A759-6A51-4108-AA02-DFA0A04FC94B}">
-              <ma14:wrappingTextBoxFlag xmlns:ma14="http://schemas.microsoft.com/office/mac/drawingml/2011/main" xmlns="" val="1"/>
+              <ma14:wrappingTextBoxFlag xmlns="" xmlns:ma14="http://schemas.microsoft.com/office/mac/drawingml/2011/main" val="1"/>
             </a:ext>
           </a:extLst>
         </p:spPr>
@@ -22929,7 +23062,7 @@
           </a:ln>
           <a:extLst>
             <a:ext uri="{C572A759-6A51-4108-AA02-DFA0A04FC94B}">
-              <ma14:wrappingTextBoxFlag xmlns:ma14="http://schemas.microsoft.com/office/mac/drawingml/2011/main" xmlns="" val="1"/>
+              <ma14:wrappingTextBoxFlag xmlns="" xmlns:ma14="http://schemas.microsoft.com/office/mac/drawingml/2011/main" val="1"/>
             </a:ext>
           </a:extLst>
         </p:spPr>
@@ -22986,7 +23119,7 @@
           </a:ln>
           <a:extLst>
             <a:ext uri="{C572A759-6A51-4108-AA02-DFA0A04FC94B}">
-              <ma14:wrappingTextBoxFlag xmlns:ma14="http://schemas.microsoft.com/office/mac/drawingml/2011/main" xmlns="" val="1"/>
+              <ma14:wrappingTextBoxFlag xmlns="" xmlns:ma14="http://schemas.microsoft.com/office/mac/drawingml/2011/main" val="1"/>
             </a:ext>
           </a:extLst>
         </p:spPr>
@@ -23352,7 +23485,7 @@
           </a:ln>
           <a:extLst>
             <a:ext uri="{C572A759-6A51-4108-AA02-DFA0A04FC94B}">
-              <ma14:wrappingTextBoxFlag xmlns:ma14="http://schemas.microsoft.com/office/mac/drawingml/2011/main" xmlns="" val="1"/>
+              <ma14:wrappingTextBoxFlag xmlns="" xmlns:ma14="http://schemas.microsoft.com/office/mac/drawingml/2011/main" val="1"/>
             </a:ext>
           </a:extLst>
         </p:spPr>
@@ -23438,7 +23571,7 @@
           </a:ln>
           <a:extLst>
             <a:ext uri="{C572A759-6A51-4108-AA02-DFA0A04FC94B}">
-              <ma14:wrappingTextBoxFlag xmlns:ma14="http://schemas.microsoft.com/office/mac/drawingml/2011/main" xmlns="" val="1"/>
+              <ma14:wrappingTextBoxFlag xmlns="" xmlns:ma14="http://schemas.microsoft.com/office/mac/drawingml/2011/main" val="1"/>
             </a:ext>
           </a:extLst>
         </p:spPr>
@@ -23563,7 +23696,7 @@
           </a:ln>
           <a:extLst>
             <a:ext uri="{C572A759-6A51-4108-AA02-DFA0A04FC94B}">
-              <ma14:wrappingTextBoxFlag xmlns:ma14="http://schemas.microsoft.com/office/mac/drawingml/2011/main" xmlns="" val="1"/>
+              <ma14:wrappingTextBoxFlag xmlns="" xmlns:ma14="http://schemas.microsoft.com/office/mac/drawingml/2011/main" val="1"/>
             </a:ext>
           </a:extLst>
         </p:spPr>
@@ -23780,7 +23913,7 @@
           </a:ln>
           <a:extLst>
             <a:ext uri="{C572A759-6A51-4108-AA02-DFA0A04FC94B}">
-              <ma14:wrappingTextBoxFlag xmlns:ma14="http://schemas.microsoft.com/office/mac/drawingml/2011/main" xmlns="" val="1"/>
+              <ma14:wrappingTextBoxFlag xmlns="" xmlns:ma14="http://schemas.microsoft.com/office/mac/drawingml/2011/main" val="1"/>
             </a:ext>
           </a:extLst>
         </p:spPr>
@@ -24018,7 +24151,7 @@
           </a:ln>
           <a:extLst>
             <a:ext uri="{C572A759-6A51-4108-AA02-DFA0A04FC94B}">
-              <ma14:wrappingTextBoxFlag xmlns:ma14="http://schemas.microsoft.com/office/mac/drawingml/2011/main" xmlns="" val="1"/>
+              <ma14:wrappingTextBoxFlag xmlns="" xmlns:ma14="http://schemas.microsoft.com/office/mac/drawingml/2011/main" val="1"/>
             </a:ext>
           </a:extLst>
         </p:spPr>
@@ -24066,7 +24199,7 @@
           </a:ln>
           <a:extLst>
             <a:ext uri="{C572A759-6A51-4108-AA02-DFA0A04FC94B}">
-              <ma14:wrappingTextBoxFlag xmlns:ma14="http://schemas.microsoft.com/office/mac/drawingml/2011/main" xmlns="" val="1"/>
+              <ma14:wrappingTextBoxFlag xmlns="" xmlns:ma14="http://schemas.microsoft.com/office/mac/drawingml/2011/main" val="1"/>
             </a:ext>
           </a:extLst>
         </p:spPr>
@@ -24126,7 +24259,7 @@
           </a:ln>
           <a:extLst>
             <a:ext uri="{C572A759-6A51-4108-AA02-DFA0A04FC94B}">
-              <ma14:wrappingTextBoxFlag xmlns:ma14="http://schemas.microsoft.com/office/mac/drawingml/2011/main" xmlns="" val="1"/>
+              <ma14:wrappingTextBoxFlag xmlns="" xmlns:ma14="http://schemas.microsoft.com/office/mac/drawingml/2011/main" val="1"/>
             </a:ext>
           </a:extLst>
         </p:spPr>
@@ -24352,7 +24485,7 @@
           </a:ln>
           <a:extLst>
             <a:ext uri="{C572A759-6A51-4108-AA02-DFA0A04FC94B}">
-              <ma14:wrappingTextBoxFlag xmlns:ma14="http://schemas.microsoft.com/office/mac/drawingml/2011/main" xmlns="" val="1"/>
+              <ma14:wrappingTextBoxFlag xmlns="" xmlns:ma14="http://schemas.microsoft.com/office/mac/drawingml/2011/main" val="1"/>
             </a:ext>
           </a:extLst>
         </p:spPr>
@@ -24479,7 +24612,7 @@
           </a:ln>
           <a:extLst>
             <a:ext uri="{C572A759-6A51-4108-AA02-DFA0A04FC94B}">
-              <ma14:wrappingTextBoxFlag xmlns:ma14="http://schemas.microsoft.com/office/mac/drawingml/2011/main" xmlns="" val="1"/>
+              <ma14:wrappingTextBoxFlag xmlns="" xmlns:ma14="http://schemas.microsoft.com/office/mac/drawingml/2011/main" val="1"/>
             </a:ext>
           </a:extLst>
         </p:spPr>
@@ -24575,7 +24708,7 @@
           </a:ln>
           <a:extLst>
             <a:ext uri="{C572A759-6A51-4108-AA02-DFA0A04FC94B}">
-              <ma14:wrappingTextBoxFlag xmlns:ma14="http://schemas.microsoft.com/office/mac/drawingml/2011/main" xmlns="" val="1"/>
+              <ma14:wrappingTextBoxFlag xmlns="" xmlns:ma14="http://schemas.microsoft.com/office/mac/drawingml/2011/main" val="1"/>
             </a:ext>
           </a:extLst>
         </p:spPr>
@@ -24700,7 +24833,7 @@
           </a:ln>
           <a:extLst>
             <a:ext uri="{C572A759-6A51-4108-AA02-DFA0A04FC94B}">
-              <ma14:wrappingTextBoxFlag xmlns:ma14="http://schemas.microsoft.com/office/mac/drawingml/2011/main" xmlns="" val="1"/>
+              <ma14:wrappingTextBoxFlag xmlns="" xmlns:ma14="http://schemas.microsoft.com/office/mac/drawingml/2011/main" val="1"/>
             </a:ext>
           </a:extLst>
         </p:spPr>
@@ -24805,7 +24938,7 @@
           </a:ln>
           <a:extLst>
             <a:ext uri="{C572A759-6A51-4108-AA02-DFA0A04FC94B}">
-              <ma14:wrappingTextBoxFlag xmlns:ma14="http://schemas.microsoft.com/office/mac/drawingml/2011/main" xmlns="" val="1"/>
+              <ma14:wrappingTextBoxFlag xmlns="" xmlns:ma14="http://schemas.microsoft.com/office/mac/drawingml/2011/main" val="1"/>
             </a:ext>
           </a:extLst>
         </p:spPr>
@@ -24980,7 +25113,7 @@
           </a:ln>
           <a:extLst>
             <a:ext uri="{C572A759-6A51-4108-AA02-DFA0A04FC94B}">
-              <ma14:wrappingTextBoxFlag xmlns:ma14="http://schemas.microsoft.com/office/mac/drawingml/2011/main" xmlns="" val="1"/>
+              <ma14:wrappingTextBoxFlag xmlns="" xmlns:ma14="http://schemas.microsoft.com/office/mac/drawingml/2011/main" val="1"/>
             </a:ext>
           </a:extLst>
         </p:spPr>
@@ -26756,7 +26889,7 @@
           </a:ln>
           <a:extLst>
             <a:ext uri="{C572A759-6A51-4108-AA02-DFA0A04FC94B}">
-              <ma14:wrappingTextBoxFlag xmlns:ma14="http://schemas.microsoft.com/office/mac/drawingml/2011/main" xmlns="" val="1"/>
+              <ma14:wrappingTextBoxFlag xmlns="" xmlns:ma14="http://schemas.microsoft.com/office/mac/drawingml/2011/main" val="1"/>
             </a:ext>
           </a:extLst>
         </p:spPr>
@@ -26986,7 +27119,7 @@
           </a:ln>
           <a:extLst>
             <a:ext uri="{C572A759-6A51-4108-AA02-DFA0A04FC94B}">
-              <ma14:wrappingTextBoxFlag xmlns:ma14="http://schemas.microsoft.com/office/mac/drawingml/2011/main" xmlns="" val="1"/>
+              <ma14:wrappingTextBoxFlag xmlns="" xmlns:ma14="http://schemas.microsoft.com/office/mac/drawingml/2011/main" val="1"/>
             </a:ext>
           </a:extLst>
         </p:spPr>
@@ -27123,7 +27256,7 @@
           </a:ln>
           <a:extLst>
             <a:ext uri="{C572A759-6A51-4108-AA02-DFA0A04FC94B}">
-              <ma14:wrappingTextBoxFlag xmlns:ma14="http://schemas.microsoft.com/office/mac/drawingml/2011/main" xmlns="" val="1"/>
+              <ma14:wrappingTextBoxFlag xmlns="" xmlns:ma14="http://schemas.microsoft.com/office/mac/drawingml/2011/main" val="1"/>
             </a:ext>
           </a:extLst>
         </p:spPr>
@@ -27220,7 +27353,7 @@
           </a:ln>
           <a:extLst>
             <a:ext uri="{C572A759-6A51-4108-AA02-DFA0A04FC94B}">
-              <ma14:wrappingTextBoxFlag xmlns:ma14="http://schemas.microsoft.com/office/mac/drawingml/2011/main" xmlns="" val="1"/>
+              <ma14:wrappingTextBoxFlag xmlns="" xmlns:ma14="http://schemas.microsoft.com/office/mac/drawingml/2011/main" val="1"/>
             </a:ext>
           </a:extLst>
         </p:spPr>
@@ -27358,7 +27491,7 @@
           </a:ln>
           <a:extLst>
             <a:ext uri="{C572A759-6A51-4108-AA02-DFA0A04FC94B}">
-              <ma14:wrappingTextBoxFlag xmlns:ma14="http://schemas.microsoft.com/office/mac/drawingml/2011/main" xmlns="" val="1"/>
+              <ma14:wrappingTextBoxFlag xmlns="" xmlns:ma14="http://schemas.microsoft.com/office/mac/drawingml/2011/main" val="1"/>
             </a:ext>
           </a:extLst>
         </p:spPr>
@@ -27708,7 +27841,7 @@
           </a:ln>
           <a:extLst>
             <a:ext uri="{C572A759-6A51-4108-AA02-DFA0A04FC94B}">
-              <ma14:wrappingTextBoxFlag xmlns:ma14="http://schemas.microsoft.com/office/mac/drawingml/2011/main" xmlns="" val="1"/>
+              <ma14:wrappingTextBoxFlag xmlns="" xmlns:ma14="http://schemas.microsoft.com/office/mac/drawingml/2011/main" val="1"/>
             </a:ext>
           </a:extLst>
         </p:spPr>
@@ -28030,7 +28163,7 @@
           </a:ln>
           <a:extLst>
             <a:ext uri="{C572A759-6A51-4108-AA02-DFA0A04FC94B}">
-              <ma14:wrappingTextBoxFlag xmlns:ma14="http://schemas.microsoft.com/office/mac/drawingml/2011/main" xmlns="" val="1"/>
+              <ma14:wrappingTextBoxFlag xmlns="" xmlns:ma14="http://schemas.microsoft.com/office/mac/drawingml/2011/main" val="1"/>
             </a:ext>
           </a:extLst>
         </p:spPr>
@@ -28157,7 +28290,7 @@
           </a:ln>
           <a:extLst>
             <a:ext uri="{C572A759-6A51-4108-AA02-DFA0A04FC94B}">
-              <ma14:wrappingTextBoxFlag xmlns:ma14="http://schemas.microsoft.com/office/mac/drawingml/2011/main" xmlns="" val="1"/>
+              <ma14:wrappingTextBoxFlag xmlns="" xmlns:ma14="http://schemas.microsoft.com/office/mac/drawingml/2011/main" val="1"/>
             </a:ext>
           </a:extLst>
         </p:spPr>
@@ -28519,7 +28652,7 @@
           </a:ln>
           <a:extLst>
             <a:ext uri="{C572A759-6A51-4108-AA02-DFA0A04FC94B}">
-              <ma14:wrappingTextBoxFlag xmlns:ma14="http://schemas.microsoft.com/office/mac/drawingml/2011/main" xmlns="" val="1"/>
+              <ma14:wrappingTextBoxFlag xmlns="" xmlns:ma14="http://schemas.microsoft.com/office/mac/drawingml/2011/main" val="1"/>
             </a:ext>
           </a:extLst>
         </p:spPr>
@@ -28567,7 +28700,7 @@
           </a:ln>
           <a:extLst>
             <a:ext uri="{C572A759-6A51-4108-AA02-DFA0A04FC94B}">
-              <ma14:wrappingTextBoxFlag xmlns:ma14="http://schemas.microsoft.com/office/mac/drawingml/2011/main" xmlns="" val="1"/>
+              <ma14:wrappingTextBoxFlag xmlns="" xmlns:ma14="http://schemas.microsoft.com/office/mac/drawingml/2011/main" val="1"/>
             </a:ext>
           </a:extLst>
         </p:spPr>
@@ -28624,7 +28757,7 @@
           </a:ln>
           <a:extLst>
             <a:ext uri="{C572A759-6A51-4108-AA02-DFA0A04FC94B}">
-              <ma14:wrappingTextBoxFlag xmlns:ma14="http://schemas.microsoft.com/office/mac/drawingml/2011/main" xmlns="" val="1"/>
+              <ma14:wrappingTextBoxFlag xmlns="" xmlns:ma14="http://schemas.microsoft.com/office/mac/drawingml/2011/main" val="1"/>
             </a:ext>
           </a:extLst>
         </p:spPr>
